--- a/software/Ch_7_0_workflow.pptx
+++ b/software/Ch_7_0_workflow.pptx
@@ -5,21 +5,22 @@
     <p:sldMasterId id="2147483665" r:id="rId1"/>
   </p:sldMasterIdLst>
   <p:notesMasterIdLst>
-    <p:notesMasterId r:id="rId14"/>
+    <p:notesMasterId r:id="rId15"/>
   </p:notesMasterIdLst>
   <p:sldIdLst>
     <p:sldId id="256" r:id="rId2"/>
     <p:sldId id="302" r:id="rId3"/>
     <p:sldId id="584" r:id="rId4"/>
     <p:sldId id="547" r:id="rId5"/>
-    <p:sldId id="621" r:id="rId6"/>
-    <p:sldId id="622" r:id="rId7"/>
-    <p:sldId id="623" r:id="rId8"/>
-    <p:sldId id="626" r:id="rId9"/>
-    <p:sldId id="624" r:id="rId10"/>
-    <p:sldId id="625" r:id="rId11"/>
-    <p:sldId id="627" r:id="rId12"/>
-    <p:sldId id="381" r:id="rId13"/>
+    <p:sldId id="628" r:id="rId6"/>
+    <p:sldId id="621" r:id="rId7"/>
+    <p:sldId id="622" r:id="rId8"/>
+    <p:sldId id="623" r:id="rId9"/>
+    <p:sldId id="626" r:id="rId10"/>
+    <p:sldId id="624" r:id="rId11"/>
+    <p:sldId id="625" r:id="rId12"/>
+    <p:sldId id="627" r:id="rId13"/>
+    <p:sldId id="381" r:id="rId14"/>
   </p:sldIdLst>
   <p:sldSz cx="9144000" cy="6858000" type="screen4x3"/>
   <p:notesSz cx="6858000" cy="9144000"/>
@@ -7959,7 +7960,7 @@
                 <a:latin typeface="Adobe 黑体 Std R" panose="020B0400000000000000" pitchFamily="34" charset="-122"/>
                 <a:ea typeface="Adobe 黑体 Std R" panose="020B0400000000000000" pitchFamily="34" charset="-122"/>
               </a:rPr>
-              <a:t>开发实现</a:t>
+              <a:t>文档</a:t>
             </a:r>
             <a:endParaRPr lang="zh-CN" altLang="en-US" dirty="0">
               <a:latin typeface="Adobe 黑体 Std R" panose="020B0400000000000000" pitchFamily="34" charset="-122"/>
@@ -7978,7 +7979,12 @@
             <p:ph idx="1"/>
           </p:nvPr>
         </p:nvSpPr>
-        <p:spPr/>
+        <p:spPr>
+          <a:xfrm>
+            <a:off x="1176338" y="2420888"/>
+            <a:ext cx="6799262" cy="3818532"/>
+          </a:xfrm>
+        </p:spPr>
         <p:txBody>
           <a:bodyPr/>
           <a:lstStyle/>
@@ -7991,7 +7997,7 @@
                 <a:latin typeface="Adobe 楷体 Std R" panose="02020400000000000000" pitchFamily="18" charset="-122"/>
                 <a:ea typeface="Adobe 楷体 Std R" panose="02020400000000000000" pitchFamily="18" charset="-122"/>
               </a:rPr>
-              <a:t>软件实现</a:t>
+              <a:t>文档</a:t>
             </a:r>
           </a:p>
           <a:p>
@@ -8017,27 +8023,53 @@
                 <a:latin typeface="Adobe 楷体 Std R" panose="02020400000000000000" pitchFamily="18" charset="-122"/>
                 <a:ea typeface="Adobe 楷体 Std R" panose="02020400000000000000" pitchFamily="18" charset="-122"/>
               </a:rPr>
-              <a:t>代码</a:t>
+              <a:t>可行性分析</a:t>
             </a:r>
             <a:r>
               <a:rPr lang="en-US" altLang="zh-CN" dirty="0">
                 <a:latin typeface="Adobe 楷体 Std R" panose="02020400000000000000" pitchFamily="18" charset="-122"/>
                 <a:ea typeface="Adobe 楷体 Std R" panose="02020400000000000000" pitchFamily="18" charset="-122"/>
               </a:rPr>
-              <a:t>/</a:t>
+              <a:t>]</a:t>
+            </a:r>
+          </a:p>
+          <a:p>
+            <a:pPr marL="0" indent="0">
+              <a:buNone/>
+            </a:pPr>
+            <a:r>
+              <a:rPr lang="en-US" altLang="zh-CN" dirty="0">
+                <a:latin typeface="Adobe 楷体 Std R" panose="02020400000000000000" pitchFamily="18" charset="-122"/>
+                <a:ea typeface="Adobe 楷体 Std R" panose="02020400000000000000" pitchFamily="18" charset="-122"/>
+              </a:rPr>
+              <a:t>	[</a:t>
             </a:r>
             <a:r>
               <a:rPr lang="zh-CN" altLang="en-US" dirty="0">
                 <a:latin typeface="Adobe 楷体 Std R" panose="02020400000000000000" pitchFamily="18" charset="-122"/>
                 <a:ea typeface="Adobe 楷体 Std R" panose="02020400000000000000" pitchFamily="18" charset="-122"/>
               </a:rPr>
-              <a:t>注释</a:t>
+              <a:t>需求分析</a:t>
             </a:r>
             <a:r>
               <a:rPr lang="en-US" altLang="zh-CN" dirty="0">
                 <a:latin typeface="Adobe 楷体 Std R" panose="02020400000000000000" pitchFamily="18" charset="-122"/>
                 <a:ea typeface="Adobe 楷体 Std R" panose="02020400000000000000" pitchFamily="18" charset="-122"/>
               </a:rPr>
+              <a:t>]-&gt;[</a:t>
+            </a:r>
+            <a:r>
+              <a:rPr lang="zh-CN" altLang="en-US" dirty="0">
+                <a:latin typeface="Adobe 楷体 Std R" panose="02020400000000000000" pitchFamily="18" charset="-122"/>
+                <a:ea typeface="Adobe 楷体 Std R" panose="02020400000000000000" pitchFamily="18" charset="-122"/>
+              </a:rPr>
+              <a:t>技术选型</a:t>
+            </a:r>
+            <a:r>
+              <a:rPr lang="en-US" altLang="zh-CN" dirty="0">
+                <a:latin typeface="Adobe 楷体 Std R" panose="02020400000000000000" pitchFamily="18" charset="-122"/>
+                <a:ea typeface="Adobe 楷体 Std R" panose="02020400000000000000" pitchFamily="18" charset="-122"/>
+              </a:rPr>
               <a:t>]</a:t>
             </a:r>
           </a:p>
@@ -8057,21 +8089,33 @@
                 <a:latin typeface="Adobe 楷体 Std R" panose="02020400000000000000" pitchFamily="18" charset="-122"/>
                 <a:ea typeface="Adobe 楷体 Std R" panose="02020400000000000000" pitchFamily="18" charset="-122"/>
               </a:rPr>
-              <a:t>配置</a:t>
+              <a:t>概要设计</a:t>
             </a:r>
             <a:r>
               <a:rPr lang="en-US" altLang="zh-CN" dirty="0">
                 <a:latin typeface="Adobe 楷体 Std R" panose="02020400000000000000" pitchFamily="18" charset="-122"/>
                 <a:ea typeface="Adobe 楷体 Std R" panose="02020400000000000000" pitchFamily="18" charset="-122"/>
               </a:rPr>
-              <a:t>/</a:t>
+              <a:t>]</a:t>
+            </a:r>
+          </a:p>
+          <a:p>
+            <a:pPr marL="0" indent="0">
+              <a:buNone/>
+            </a:pPr>
+            <a:r>
+              <a:rPr lang="en-US" altLang="zh-CN" dirty="0">
+                <a:latin typeface="Adobe 楷体 Std R" panose="02020400000000000000" pitchFamily="18" charset="-122"/>
+                <a:ea typeface="Adobe 楷体 Std R" panose="02020400000000000000" pitchFamily="18" charset="-122"/>
+              </a:rPr>
+              <a:t>	[</a:t>
             </a:r>
             <a:r>
               <a:rPr lang="zh-CN" altLang="en-US" dirty="0">
                 <a:latin typeface="Adobe 楷体 Std R" panose="02020400000000000000" pitchFamily="18" charset="-122"/>
                 <a:ea typeface="Adobe 楷体 Std R" panose="02020400000000000000" pitchFamily="18" charset="-122"/>
               </a:rPr>
-              <a:t>描述</a:t>
+              <a:t>详细设计</a:t>
             </a:r>
             <a:r>
               <a:rPr lang="en-US" altLang="zh-CN" dirty="0">
@@ -8097,42 +8141,16 @@
                 <a:latin typeface="Adobe 楷体 Std R" panose="02020400000000000000" pitchFamily="18" charset="-122"/>
                 <a:ea typeface="Adobe 楷体 Std R" panose="02020400000000000000" pitchFamily="18" charset="-122"/>
               </a:rPr>
-              <a:t>资源（数据）</a:t>
-            </a:r>
-            <a:r>
-              <a:rPr lang="en-US" altLang="zh-CN" dirty="0">
+              <a:t>测试文档</a:t>
+            </a:r>
+            <a:r>
+              <a:rPr lang="en-US" altLang="zh-CN" dirty="0" smtClean="0">
                 <a:latin typeface="Adobe 楷体 Std R" panose="02020400000000000000" pitchFamily="18" charset="-122"/>
                 <a:ea typeface="Adobe 楷体 Std R" panose="02020400000000000000" pitchFamily="18" charset="-122"/>
               </a:rPr>
               <a:t>]</a:t>
             </a:r>
-          </a:p>
-          <a:p>
-            <a:pPr marL="0" indent="0">
-              <a:buNone/>
-            </a:pPr>
-            <a:r>
-              <a:rPr lang="en-US" altLang="zh-CN" dirty="0">
-                <a:latin typeface="Adobe 楷体 Std R" panose="02020400000000000000" pitchFamily="18" charset="-122"/>
-                <a:ea typeface="Adobe 楷体 Std R" panose="02020400000000000000" pitchFamily="18" charset="-122"/>
-              </a:rPr>
-              <a:t>	[</a:t>
-            </a:r>
-            <a:r>
-              <a:rPr lang="zh-CN" altLang="en-US" dirty="0">
-                <a:latin typeface="Adobe 楷体 Std R" panose="02020400000000000000" pitchFamily="18" charset="-122"/>
-                <a:ea typeface="Adobe 楷体 Std R" panose="02020400000000000000" pitchFamily="18" charset="-122"/>
-              </a:rPr>
-              <a:t>产品包装</a:t>
-            </a:r>
-            <a:r>
-              <a:rPr lang="en-US" altLang="zh-CN" dirty="0">
-                <a:latin typeface="Adobe 楷体 Std R" panose="02020400000000000000" pitchFamily="18" charset="-122"/>
-                <a:ea typeface="Adobe 楷体 Std R" panose="02020400000000000000" pitchFamily="18" charset="-122"/>
-              </a:rPr>
-              <a:t>]</a:t>
-            </a:r>
-            <a:endParaRPr lang="zh-CN" altLang="en-US" dirty="0">
+            <a:endParaRPr lang="en-US" altLang="zh-CN" dirty="0">
               <a:latin typeface="Adobe 楷体 Std R" panose="02020400000000000000" pitchFamily="18" charset="-122"/>
               <a:ea typeface="Adobe 楷体 Std R" panose="02020400000000000000" pitchFamily="18" charset="-122"/>
             </a:endParaRPr>
@@ -8142,7 +8160,7 @@
     </p:spTree>
     <p:extLst>
       <p:ext uri="{BB962C8B-B14F-4D97-AF65-F5344CB8AC3E}">
-        <p14:creationId xmlns:p14="http://schemas.microsoft.com/office/powerpoint/2010/main" val="705463046"/>
+        <p14:creationId xmlns:p14="http://schemas.microsoft.com/office/powerpoint/2010/main" val="326808122"/>
       </p:ext>
     </p:extLst>
   </p:cSld>
@@ -8203,6 +8221,250 @@
                 <a:latin typeface="Adobe 黑体 Std R" panose="020B0400000000000000" pitchFamily="34" charset="-122"/>
                 <a:ea typeface="Adobe 黑体 Std R" panose="020B0400000000000000" pitchFamily="34" charset="-122"/>
               </a:rPr>
+              <a:t>开发实现</a:t>
+            </a:r>
+            <a:endParaRPr lang="zh-CN" altLang="en-US" dirty="0">
+              <a:latin typeface="Adobe 黑体 Std R" panose="020B0400000000000000" pitchFamily="34" charset="-122"/>
+              <a:ea typeface="Adobe 黑体 Std R" panose="020B0400000000000000" pitchFamily="34" charset="-122"/>
+            </a:endParaRPr>
+          </a:p>
+        </p:txBody>
+      </p:sp>
+      <p:sp>
+        <p:nvSpPr>
+          <p:cNvPr id="3" name="内容占位符 2"/>
+          <p:cNvSpPr>
+            <a:spLocks noGrp="1"/>
+          </p:cNvSpPr>
+          <p:nvPr>
+            <p:ph idx="1"/>
+          </p:nvPr>
+        </p:nvSpPr>
+        <p:spPr/>
+        <p:txBody>
+          <a:bodyPr/>
+          <a:lstStyle/>
+          <a:p>
+            <a:pPr marL="0" indent="0">
+              <a:buNone/>
+            </a:pPr>
+            <a:r>
+              <a:rPr lang="zh-CN" altLang="en-US" dirty="0">
+                <a:latin typeface="Adobe 楷体 Std R" panose="02020400000000000000" pitchFamily="18" charset="-122"/>
+                <a:ea typeface="Adobe 楷体 Std R" panose="02020400000000000000" pitchFamily="18" charset="-122"/>
+              </a:rPr>
+              <a:t>软件实现</a:t>
+            </a:r>
+          </a:p>
+          <a:p>
+            <a:pPr marL="0" indent="0">
+              <a:buNone/>
+            </a:pPr>
+            <a:r>
+              <a:rPr lang="zh-CN" altLang="en-US" dirty="0">
+                <a:latin typeface="Adobe 楷体 Std R" panose="02020400000000000000" pitchFamily="18" charset="-122"/>
+                <a:ea typeface="Adobe 楷体 Std R" panose="02020400000000000000" pitchFamily="18" charset="-122"/>
+              </a:rPr>
+              <a:t>	</a:t>
+            </a:r>
+            <a:r>
+              <a:rPr lang="en-US" altLang="zh-CN" dirty="0">
+                <a:latin typeface="Adobe 楷体 Std R" panose="02020400000000000000" pitchFamily="18" charset="-122"/>
+                <a:ea typeface="Adobe 楷体 Std R" panose="02020400000000000000" pitchFamily="18" charset="-122"/>
+              </a:rPr>
+              <a:t>[</a:t>
+            </a:r>
+            <a:r>
+              <a:rPr lang="zh-CN" altLang="en-US" dirty="0">
+                <a:latin typeface="Adobe 楷体 Std R" panose="02020400000000000000" pitchFamily="18" charset="-122"/>
+                <a:ea typeface="Adobe 楷体 Std R" panose="02020400000000000000" pitchFamily="18" charset="-122"/>
+              </a:rPr>
+              <a:t>代码</a:t>
+            </a:r>
+            <a:r>
+              <a:rPr lang="en-US" altLang="zh-CN" dirty="0">
+                <a:latin typeface="Adobe 楷体 Std R" panose="02020400000000000000" pitchFamily="18" charset="-122"/>
+                <a:ea typeface="Adobe 楷体 Std R" panose="02020400000000000000" pitchFamily="18" charset="-122"/>
+              </a:rPr>
+              <a:t>/</a:t>
+            </a:r>
+            <a:r>
+              <a:rPr lang="zh-CN" altLang="en-US" dirty="0">
+                <a:latin typeface="Adobe 楷体 Std R" panose="02020400000000000000" pitchFamily="18" charset="-122"/>
+                <a:ea typeface="Adobe 楷体 Std R" panose="02020400000000000000" pitchFamily="18" charset="-122"/>
+              </a:rPr>
+              <a:t>注释</a:t>
+            </a:r>
+            <a:r>
+              <a:rPr lang="en-US" altLang="zh-CN" dirty="0">
+                <a:latin typeface="Adobe 楷体 Std R" panose="02020400000000000000" pitchFamily="18" charset="-122"/>
+                <a:ea typeface="Adobe 楷体 Std R" panose="02020400000000000000" pitchFamily="18" charset="-122"/>
+              </a:rPr>
+              <a:t>]</a:t>
+            </a:r>
+          </a:p>
+          <a:p>
+            <a:pPr marL="0" indent="0">
+              <a:buNone/>
+            </a:pPr>
+            <a:r>
+              <a:rPr lang="en-US" altLang="zh-CN" dirty="0">
+                <a:latin typeface="Adobe 楷体 Std R" panose="02020400000000000000" pitchFamily="18" charset="-122"/>
+                <a:ea typeface="Adobe 楷体 Std R" panose="02020400000000000000" pitchFamily="18" charset="-122"/>
+              </a:rPr>
+              <a:t>	[</a:t>
+            </a:r>
+            <a:r>
+              <a:rPr lang="zh-CN" altLang="en-US" dirty="0">
+                <a:latin typeface="Adobe 楷体 Std R" panose="02020400000000000000" pitchFamily="18" charset="-122"/>
+                <a:ea typeface="Adobe 楷体 Std R" panose="02020400000000000000" pitchFamily="18" charset="-122"/>
+              </a:rPr>
+              <a:t>配置</a:t>
+            </a:r>
+            <a:r>
+              <a:rPr lang="en-US" altLang="zh-CN" dirty="0">
+                <a:latin typeface="Adobe 楷体 Std R" panose="02020400000000000000" pitchFamily="18" charset="-122"/>
+                <a:ea typeface="Adobe 楷体 Std R" panose="02020400000000000000" pitchFamily="18" charset="-122"/>
+              </a:rPr>
+              <a:t>/</a:t>
+            </a:r>
+            <a:r>
+              <a:rPr lang="zh-CN" altLang="en-US" dirty="0">
+                <a:latin typeface="Adobe 楷体 Std R" panose="02020400000000000000" pitchFamily="18" charset="-122"/>
+                <a:ea typeface="Adobe 楷体 Std R" panose="02020400000000000000" pitchFamily="18" charset="-122"/>
+              </a:rPr>
+              <a:t>描述</a:t>
+            </a:r>
+            <a:r>
+              <a:rPr lang="en-US" altLang="zh-CN" dirty="0">
+                <a:latin typeface="Adobe 楷体 Std R" panose="02020400000000000000" pitchFamily="18" charset="-122"/>
+                <a:ea typeface="Adobe 楷体 Std R" panose="02020400000000000000" pitchFamily="18" charset="-122"/>
+              </a:rPr>
+              <a:t>]</a:t>
+            </a:r>
+          </a:p>
+          <a:p>
+            <a:pPr marL="0" indent="0">
+              <a:buNone/>
+            </a:pPr>
+            <a:r>
+              <a:rPr lang="en-US" altLang="zh-CN" dirty="0">
+                <a:latin typeface="Adobe 楷体 Std R" panose="02020400000000000000" pitchFamily="18" charset="-122"/>
+                <a:ea typeface="Adobe 楷体 Std R" panose="02020400000000000000" pitchFamily="18" charset="-122"/>
+              </a:rPr>
+              <a:t>	[</a:t>
+            </a:r>
+            <a:r>
+              <a:rPr lang="zh-CN" altLang="en-US" dirty="0">
+                <a:latin typeface="Adobe 楷体 Std R" panose="02020400000000000000" pitchFamily="18" charset="-122"/>
+                <a:ea typeface="Adobe 楷体 Std R" panose="02020400000000000000" pitchFamily="18" charset="-122"/>
+              </a:rPr>
+              <a:t>资源（数据）</a:t>
+            </a:r>
+            <a:r>
+              <a:rPr lang="en-US" altLang="zh-CN" dirty="0">
+                <a:latin typeface="Adobe 楷体 Std R" panose="02020400000000000000" pitchFamily="18" charset="-122"/>
+                <a:ea typeface="Adobe 楷体 Std R" panose="02020400000000000000" pitchFamily="18" charset="-122"/>
+              </a:rPr>
+              <a:t>]</a:t>
+            </a:r>
+          </a:p>
+          <a:p>
+            <a:pPr marL="0" indent="0">
+              <a:buNone/>
+            </a:pPr>
+            <a:r>
+              <a:rPr lang="en-US" altLang="zh-CN" dirty="0">
+                <a:latin typeface="Adobe 楷体 Std R" panose="02020400000000000000" pitchFamily="18" charset="-122"/>
+                <a:ea typeface="Adobe 楷体 Std R" panose="02020400000000000000" pitchFamily="18" charset="-122"/>
+              </a:rPr>
+              <a:t>	[</a:t>
+            </a:r>
+            <a:r>
+              <a:rPr lang="zh-CN" altLang="en-US" dirty="0">
+                <a:latin typeface="Adobe 楷体 Std R" panose="02020400000000000000" pitchFamily="18" charset="-122"/>
+                <a:ea typeface="Adobe 楷体 Std R" panose="02020400000000000000" pitchFamily="18" charset="-122"/>
+              </a:rPr>
+              <a:t>产品包装</a:t>
+            </a:r>
+            <a:r>
+              <a:rPr lang="en-US" altLang="zh-CN" dirty="0">
+                <a:latin typeface="Adobe 楷体 Std R" panose="02020400000000000000" pitchFamily="18" charset="-122"/>
+                <a:ea typeface="Adobe 楷体 Std R" panose="02020400000000000000" pitchFamily="18" charset="-122"/>
+              </a:rPr>
+              <a:t>]</a:t>
+            </a:r>
+            <a:endParaRPr lang="zh-CN" altLang="en-US" dirty="0">
+              <a:latin typeface="Adobe 楷体 Std R" panose="02020400000000000000" pitchFamily="18" charset="-122"/>
+              <a:ea typeface="Adobe 楷体 Std R" panose="02020400000000000000" pitchFamily="18" charset="-122"/>
+            </a:endParaRPr>
+          </a:p>
+        </p:txBody>
+      </p:sp>
+    </p:spTree>
+    <p:extLst>
+      <p:ext uri="{BB962C8B-B14F-4D97-AF65-F5344CB8AC3E}">
+        <p14:creationId xmlns:p14="http://schemas.microsoft.com/office/powerpoint/2010/main" val="705463046"/>
+      </p:ext>
+    </p:extLst>
+  </p:cSld>
+  <p:clrMapOvr>
+    <a:masterClrMapping/>
+  </p:clrMapOvr>
+</p:sld>
+</file>
+
+<file path=ppt/slides/slide12.xml><?xml version="1.0" encoding="utf-8"?>
+<p:sld xmlns:a="http://schemas.openxmlformats.org/drawingml/2006/main" xmlns:r="http://schemas.openxmlformats.org/officeDocument/2006/relationships" xmlns:p="http://schemas.openxmlformats.org/presentationml/2006/main">
+  <p:cSld>
+    <p:spTree>
+      <p:nvGrpSpPr>
+        <p:cNvPr id="1" name=""/>
+        <p:cNvGrpSpPr/>
+        <p:nvPr/>
+      </p:nvGrpSpPr>
+      <p:grpSpPr>
+        <a:xfrm>
+          <a:off x="0" y="0"/>
+          <a:ext cx="0" cy="0"/>
+          <a:chOff x="0" y="0"/>
+          <a:chExt cx="0" cy="0"/>
+        </a:xfrm>
+      </p:grpSpPr>
+      <p:sp>
+        <p:nvSpPr>
+          <p:cNvPr id="2" name="标题 1"/>
+          <p:cNvSpPr>
+            <a:spLocks noGrp="1"/>
+          </p:cNvSpPr>
+          <p:nvPr>
+            <p:ph type="title"/>
+          </p:nvPr>
+        </p:nvSpPr>
+        <p:spPr/>
+        <p:txBody>
+          <a:bodyPr/>
+          <a:lstStyle/>
+          <a:p>
+            <a:r>
+              <a:rPr lang="zh-CN" altLang="en-US" dirty="0" smtClean="0">
+                <a:latin typeface="Adobe 黑体 Std R" panose="020B0400000000000000" pitchFamily="34" charset="-122"/>
+                <a:ea typeface="Adobe 黑体 Std R" panose="020B0400000000000000" pitchFamily="34" charset="-122"/>
+              </a:rPr>
+              <a:t>过程迭代</a:t>
+            </a:r>
+            <a:r>
+              <a:rPr lang="en-US" altLang="zh-CN" dirty="0" smtClean="0">
+                <a:latin typeface="Adobe 黑体 Std R" panose="020B0400000000000000" pitchFamily="34" charset="-122"/>
+                <a:ea typeface="Adobe 黑体 Std R" panose="020B0400000000000000" pitchFamily="34" charset="-122"/>
+              </a:rPr>
+              <a:t>-</a:t>
+            </a:r>
+            <a:r>
+              <a:rPr lang="zh-CN" altLang="en-US" dirty="0" smtClean="0">
+                <a:latin typeface="Adobe 黑体 Std R" panose="020B0400000000000000" pitchFamily="34" charset="-122"/>
+                <a:ea typeface="Adobe 黑体 Std R" panose="020B0400000000000000" pitchFamily="34" charset="-122"/>
+              </a:rPr>
               <a:t>测试</a:t>
             </a:r>
             <a:r>
@@ -8439,7 +8701,7 @@
 </p:sld>
 </file>
 
-<file path=ppt/slides/slide12.xml><?xml version="1.0" encoding="utf-8"?>
+<file path=ppt/slides/slide13.xml><?xml version="1.0" encoding="utf-8"?>
 <p:sld xmlns:a="http://schemas.openxmlformats.org/drawingml/2006/main" xmlns:r="http://schemas.openxmlformats.org/officeDocument/2006/relationships" xmlns:p="http://schemas.openxmlformats.org/presentationml/2006/main">
   <p:cSld>
     <p:spTree>
@@ -9843,17 +10105,7 @@
                 <a:latin typeface="Adobe 黑体 Std R" panose="020B0400000000000000" pitchFamily="34" charset="-122"/>
                 <a:ea typeface="Adobe 黑体 Std R" panose="020B0400000000000000" pitchFamily="34" charset="-122"/>
               </a:rPr>
-              <a:t>一</a:t>
-            </a:r>
-            <a:r>
-              <a:rPr lang="zh-CN" altLang="en-US" b="1" smtClean="0">
-                <a:solidFill>
-                  <a:srgbClr val="FF0000"/>
-                </a:solidFill>
-                <a:latin typeface="Adobe 黑体 Std R" panose="020B0400000000000000" pitchFamily="34" charset="-122"/>
-                <a:ea typeface="Adobe 黑体 Std R" panose="020B0400000000000000" pitchFamily="34" charset="-122"/>
-              </a:rPr>
-              <a:t>个标准流程</a:t>
+              <a:t>一个标准流程</a:t>
             </a:r>
             <a:r>
               <a:rPr lang="zh-CN" altLang="en-US" b="1" dirty="0">
@@ -9976,22 +10228,16 @@
           <a:lstStyle/>
           <a:p>
             <a:r>
-              <a:rPr lang="zh-CN" altLang="en-US" dirty="0" smtClean="0">
-                <a:latin typeface="Adobe 黑体 Std R" panose="020B0400000000000000" pitchFamily="34" charset="-122"/>
-                <a:ea typeface="Adobe 黑体 Std R" panose="020B0400000000000000" pitchFamily="34" charset="-122"/>
-              </a:rPr>
-              <a:t>前序工作</a:t>
-            </a:r>
-            <a:endParaRPr lang="zh-CN" altLang="en-US" dirty="0">
-              <a:latin typeface="Adobe 黑体 Std R" panose="020B0400000000000000" pitchFamily="34" charset="-122"/>
-              <a:ea typeface="Adobe 黑体 Std R" panose="020B0400000000000000" pitchFamily="34" charset="-122"/>
-            </a:endParaRPr>
-          </a:p>
-        </p:txBody>
-      </p:sp>
-      <p:sp>
-        <p:nvSpPr>
-          <p:cNvPr id="3" name="内容占位符 2"/>
+              <a:rPr lang="zh-CN" altLang="en-US" dirty="0" smtClean="0"/>
+              <a:t>填充模板</a:t>
+            </a:r>
+            <a:endParaRPr lang="zh-CN" altLang="en-US" dirty="0"/>
+          </a:p>
+        </p:txBody>
+      </p:sp>
+      <p:sp>
+        <p:nvSpPr>
+          <p:cNvPr id="4" name="内容占位符 2"/>
           <p:cNvSpPr>
             <a:spLocks noGrp="1"/>
           </p:cNvSpPr>
@@ -9999,7 +10245,15 @@
             <p:ph idx="1"/>
           </p:nvPr>
         </p:nvSpPr>
-        <p:spPr/>
+        <p:spPr>
+          <a:xfrm>
+            <a:off x="3707904" y="2564905"/>
+            <a:ext cx="1872208" cy="792087"/>
+          </a:xfrm>
+          <a:solidFill>
+            <a:srgbClr val="CCECFF"/>
+          </a:solidFill>
+        </p:spPr>
         <p:txBody>
           <a:bodyPr/>
           <a:lstStyle/>
@@ -10008,51 +10262,1013 @@
               <a:buNone/>
             </a:pPr>
             <a:r>
+              <a:rPr lang="en-US" altLang="zh-CN" sz="1800" dirty="0" smtClean="0">
+                <a:latin typeface="Adobe 楷体 Std R" panose="02020400000000000000" pitchFamily="18" charset="-122"/>
+                <a:ea typeface="Adobe 楷体 Std R" panose="02020400000000000000" pitchFamily="18" charset="-122"/>
+              </a:rPr>
+              <a:t>[</a:t>
+            </a:r>
+            <a:r>
+              <a:rPr lang="zh-CN" altLang="en-US" sz="1800" dirty="0" smtClean="0">
+                <a:latin typeface="Adobe 楷体 Std R" panose="02020400000000000000" pitchFamily="18" charset="-122"/>
+                <a:ea typeface="Adobe 楷体 Std R" panose="02020400000000000000" pitchFamily="18" charset="-122"/>
+              </a:rPr>
+              <a:t>一个</a:t>
+            </a:r>
+            <a:r>
+              <a:rPr lang="en-US" altLang="zh-CN" sz="1800" dirty="0" smtClean="0">
+                <a:latin typeface="Adobe 楷体 Std R" panose="02020400000000000000" pitchFamily="18" charset="-122"/>
+                <a:ea typeface="Adobe 楷体 Std R" panose="02020400000000000000" pitchFamily="18" charset="-122"/>
+              </a:rPr>
+              <a:t>Idea]</a:t>
+            </a:r>
+          </a:p>
+          <a:p>
+            <a:pPr marL="0" indent="0">
+              <a:buNone/>
+            </a:pPr>
+            <a:r>
+              <a:rPr lang="en-US" altLang="zh-CN" sz="1800" dirty="0" smtClean="0">
+                <a:latin typeface="Adobe 楷体 Std R" panose="02020400000000000000" pitchFamily="18" charset="-122"/>
+                <a:ea typeface="Adobe 楷体 Std R" panose="02020400000000000000" pitchFamily="18" charset="-122"/>
+              </a:rPr>
+              <a:t>[</a:t>
+            </a:r>
+            <a:r>
+              <a:rPr lang="zh-CN" altLang="en-US" sz="1800" dirty="0" smtClean="0">
+                <a:latin typeface="Adobe 楷体 Std R" panose="02020400000000000000" pitchFamily="18" charset="-122"/>
+                <a:ea typeface="Adobe 楷体 Std R" panose="02020400000000000000" pitchFamily="18" charset="-122"/>
+              </a:rPr>
+              <a:t>组建团队</a:t>
+            </a:r>
+            <a:r>
+              <a:rPr lang="en-US" altLang="zh-CN" sz="1800" dirty="0" smtClean="0">
+                <a:latin typeface="Adobe 楷体 Std R" panose="02020400000000000000" pitchFamily="18" charset="-122"/>
+                <a:ea typeface="Adobe 楷体 Std R" panose="02020400000000000000" pitchFamily="18" charset="-122"/>
+              </a:rPr>
+              <a:t>/</a:t>
+            </a:r>
+            <a:r>
+              <a:rPr lang="zh-CN" altLang="en-US" sz="1800" dirty="0" smtClean="0">
+                <a:latin typeface="Adobe 楷体 Std R" panose="02020400000000000000" pitchFamily="18" charset="-122"/>
+                <a:ea typeface="Adobe 楷体 Std R" panose="02020400000000000000" pitchFamily="18" charset="-122"/>
+              </a:rPr>
+              <a:t>分工</a:t>
+            </a:r>
+            <a:r>
+              <a:rPr lang="en-US" altLang="zh-CN" sz="1800" dirty="0" smtClean="0">
+                <a:latin typeface="Adobe 楷体 Std R" panose="02020400000000000000" pitchFamily="18" charset="-122"/>
+                <a:ea typeface="Adobe 楷体 Std R" panose="02020400000000000000" pitchFamily="18" charset="-122"/>
+              </a:rPr>
+              <a:t>]</a:t>
+            </a:r>
+            <a:endParaRPr lang="zh-CN" altLang="en-US" sz="1800" dirty="0">
+              <a:latin typeface="Adobe 楷体 Std R" panose="02020400000000000000" pitchFamily="18" charset="-122"/>
+              <a:ea typeface="Adobe 楷体 Std R" panose="02020400000000000000" pitchFamily="18" charset="-122"/>
+            </a:endParaRPr>
+          </a:p>
+        </p:txBody>
+      </p:sp>
+      <p:sp>
+        <p:nvSpPr>
+          <p:cNvPr id="5" name="矩形 4"/>
+          <p:cNvSpPr/>
+          <p:nvPr/>
+        </p:nvSpPr>
+        <p:spPr>
+          <a:xfrm>
+            <a:off x="6588224" y="2527735"/>
+            <a:ext cx="1296144" cy="1477328"/>
+          </a:xfrm>
+          <a:prstGeom prst="rect">
+            <a:avLst/>
+          </a:prstGeom>
+          <a:solidFill>
+            <a:srgbClr val="FFC000"/>
+          </a:solidFill>
+        </p:spPr>
+        <p:txBody>
+          <a:bodyPr wrap="square">
+            <a:spAutoFit/>
+          </a:bodyPr>
+          <a:lstStyle/>
+          <a:p>
+            <a:pPr marL="0" indent="0">
+              <a:buNone/>
+            </a:pPr>
+            <a:r>
+              <a:rPr lang="en-US" altLang="zh-CN" dirty="0" smtClean="0">
+                <a:latin typeface="Adobe 楷体 Std R" panose="02020400000000000000" pitchFamily="18" charset="-122"/>
+                <a:ea typeface="Adobe 楷体 Std R" panose="02020400000000000000" pitchFamily="18" charset="-122"/>
+              </a:rPr>
+              <a:t>[</a:t>
+            </a:r>
+            <a:r>
+              <a:rPr lang="zh-CN" altLang="en-US" dirty="0">
+                <a:latin typeface="Adobe 楷体 Std R" panose="02020400000000000000" pitchFamily="18" charset="-122"/>
+                <a:ea typeface="Adobe 楷体 Std R" panose="02020400000000000000" pitchFamily="18" charset="-122"/>
+              </a:rPr>
+              <a:t>产品经理</a:t>
+            </a:r>
+            <a:r>
+              <a:rPr lang="en-US" altLang="zh-CN" dirty="0">
+                <a:latin typeface="Adobe 楷体 Std R" panose="02020400000000000000" pitchFamily="18" charset="-122"/>
+                <a:ea typeface="Adobe 楷体 Std R" panose="02020400000000000000" pitchFamily="18" charset="-122"/>
+              </a:rPr>
+              <a:t>]</a:t>
+            </a:r>
+          </a:p>
+          <a:p>
+            <a:pPr marL="0" indent="0">
+              <a:buNone/>
+            </a:pPr>
+            <a:r>
+              <a:rPr lang="en-US" altLang="zh-CN" dirty="0" smtClean="0">
+                <a:latin typeface="Adobe 楷体 Std R" panose="02020400000000000000" pitchFamily="18" charset="-122"/>
+                <a:ea typeface="Adobe 楷体 Std R" panose="02020400000000000000" pitchFamily="18" charset="-122"/>
+              </a:rPr>
+              <a:t>[</a:t>
+            </a:r>
+            <a:r>
+              <a:rPr lang="zh-CN" altLang="en-US" dirty="0">
+                <a:latin typeface="Adobe 楷体 Std R" panose="02020400000000000000" pitchFamily="18" charset="-122"/>
+                <a:ea typeface="Adobe 楷体 Std R" panose="02020400000000000000" pitchFamily="18" charset="-122"/>
+              </a:rPr>
+              <a:t>项目经理</a:t>
+            </a:r>
+            <a:r>
+              <a:rPr lang="en-US" altLang="zh-CN" dirty="0">
+                <a:latin typeface="Adobe 楷体 Std R" panose="02020400000000000000" pitchFamily="18" charset="-122"/>
+                <a:ea typeface="Adobe 楷体 Std R" panose="02020400000000000000" pitchFamily="18" charset="-122"/>
+              </a:rPr>
+              <a:t>]</a:t>
+            </a:r>
+          </a:p>
+          <a:p>
+            <a:pPr marL="0" indent="0">
+              <a:buNone/>
+            </a:pPr>
+            <a:r>
+              <a:rPr lang="en-US" altLang="zh-CN" dirty="0" smtClean="0">
+                <a:latin typeface="Adobe 楷体 Std R" panose="02020400000000000000" pitchFamily="18" charset="-122"/>
+                <a:ea typeface="Adobe 楷体 Std R" panose="02020400000000000000" pitchFamily="18" charset="-122"/>
+              </a:rPr>
+              <a:t>[</a:t>
+            </a:r>
+            <a:r>
+              <a:rPr lang="zh-CN" altLang="en-US" dirty="0">
+                <a:latin typeface="Adobe 楷体 Std R" panose="02020400000000000000" pitchFamily="18" charset="-122"/>
+                <a:ea typeface="Adobe 楷体 Std R" panose="02020400000000000000" pitchFamily="18" charset="-122"/>
+              </a:rPr>
+              <a:t>设计者</a:t>
+            </a:r>
+            <a:r>
+              <a:rPr lang="en-US" altLang="zh-CN" dirty="0">
+                <a:latin typeface="Adobe 楷体 Std R" panose="02020400000000000000" pitchFamily="18" charset="-122"/>
+                <a:ea typeface="Adobe 楷体 Std R" panose="02020400000000000000" pitchFamily="18" charset="-122"/>
+              </a:rPr>
+              <a:t>]</a:t>
+            </a:r>
+          </a:p>
+          <a:p>
+            <a:pPr marL="0" indent="0">
+              <a:buNone/>
+            </a:pPr>
+            <a:r>
+              <a:rPr lang="en-US" altLang="zh-CN" dirty="0" smtClean="0">
+                <a:latin typeface="Adobe 楷体 Std R" panose="02020400000000000000" pitchFamily="18" charset="-122"/>
+                <a:ea typeface="Adobe 楷体 Std R" panose="02020400000000000000" pitchFamily="18" charset="-122"/>
+              </a:rPr>
+              <a:t>[</a:t>
+            </a:r>
+            <a:r>
+              <a:rPr lang="zh-CN" altLang="en-US" dirty="0">
+                <a:latin typeface="Adobe 楷体 Std R" panose="02020400000000000000" pitchFamily="18" charset="-122"/>
+                <a:ea typeface="Adobe 楷体 Std R" panose="02020400000000000000" pitchFamily="18" charset="-122"/>
+              </a:rPr>
+              <a:t>开发者</a:t>
+            </a:r>
+            <a:r>
+              <a:rPr lang="en-US" altLang="zh-CN" dirty="0">
+                <a:latin typeface="Adobe 楷体 Std R" panose="02020400000000000000" pitchFamily="18" charset="-122"/>
+                <a:ea typeface="Adobe 楷体 Std R" panose="02020400000000000000" pitchFamily="18" charset="-122"/>
+              </a:rPr>
+              <a:t>]</a:t>
+            </a:r>
+          </a:p>
+          <a:p>
+            <a:pPr marL="0" indent="0">
+              <a:buNone/>
+            </a:pPr>
+            <a:r>
+              <a:rPr lang="en-US" altLang="zh-CN" dirty="0" smtClean="0">
+                <a:latin typeface="Adobe 楷体 Std R" panose="02020400000000000000" pitchFamily="18" charset="-122"/>
+                <a:ea typeface="Adobe 楷体 Std R" panose="02020400000000000000" pitchFamily="18" charset="-122"/>
+              </a:rPr>
+              <a:t>[</a:t>
+            </a:r>
+            <a:r>
+              <a:rPr lang="zh-CN" altLang="en-US" dirty="0">
+                <a:latin typeface="Adobe 楷体 Std R" panose="02020400000000000000" pitchFamily="18" charset="-122"/>
+                <a:ea typeface="Adobe 楷体 Std R" panose="02020400000000000000" pitchFamily="18" charset="-122"/>
+              </a:rPr>
+              <a:t>测试者</a:t>
+            </a:r>
+            <a:r>
+              <a:rPr lang="en-US" altLang="zh-CN" dirty="0">
+                <a:latin typeface="Adobe 楷体 Std R" panose="02020400000000000000" pitchFamily="18" charset="-122"/>
+                <a:ea typeface="Adobe 楷体 Std R" panose="02020400000000000000" pitchFamily="18" charset="-122"/>
+              </a:rPr>
+              <a:t>]</a:t>
+            </a:r>
+            <a:endParaRPr lang="en-US" altLang="zh-CN" dirty="0">
+              <a:latin typeface="Adobe 楷体 Std R" panose="02020400000000000000" pitchFamily="18" charset="-122"/>
+              <a:ea typeface="Adobe 楷体 Std R" panose="02020400000000000000" pitchFamily="18" charset="-122"/>
+            </a:endParaRPr>
+          </a:p>
+        </p:txBody>
+      </p:sp>
+      <p:sp>
+        <p:nvSpPr>
+          <p:cNvPr id="6" name="内容占位符 2"/>
+          <p:cNvSpPr txBox="1">
+            <a:spLocks/>
+          </p:cNvSpPr>
+          <p:nvPr/>
+        </p:nvSpPr>
+        <p:spPr bwMode="auto">
+          <a:xfrm>
+            <a:off x="1259632" y="2617384"/>
+            <a:ext cx="2531566" cy="3259888"/>
+          </a:xfrm>
+          <a:prstGeom prst="rect">
+            <a:avLst/>
+          </a:prstGeom>
+          <a:noFill/>
+          <a:ln>
+            <a:noFill/>
+          </a:ln>
+          <a:extLst>
+            <a:ext uri="{909E8E84-426E-40DD-AFC4-6F175D3DCCD1}">
+              <a14:hiddenFill xmlns:a14="http://schemas.microsoft.com/office/drawing/2010/main">
+                <a:solidFill>
+                  <a:srgbClr val="FFFFFF"/>
+                </a:solidFill>
+              </a14:hiddenFill>
+            </a:ext>
+            <a:ext uri="{91240B29-F687-4F45-9708-019B960494DF}">
+              <a14:hiddenLine xmlns:a14="http://schemas.microsoft.com/office/drawing/2010/main" w="9525">
+                <a:solidFill>
+                  <a:srgbClr val="000000"/>
+                </a:solidFill>
+                <a:miter lim="800000"/>
+                <a:headEnd/>
+                <a:tailEnd/>
+              </a14:hiddenLine>
+            </a:ext>
+          </a:extLst>
+        </p:spPr>
+        <p:txBody>
+          <a:bodyPr vert="horz" wrap="square" lIns="91440" tIns="45720" rIns="91440" bIns="45720" numCol="1" anchor="t" anchorCtr="0" compatLnSpc="1">
+            <a:prstTxWarp prst="textNoShape">
+              <a:avLst/>
+            </a:prstTxWarp>
+          </a:bodyPr>
+          <a:lstStyle>
+            <a:lvl1pPr marL="285750" indent="-285750" algn="l" defTabSz="457200" rtl="0" eaLnBrk="0" fontAlgn="base" hangingPunct="0">
+              <a:spcBef>
+                <a:spcPct val="20000"/>
+              </a:spcBef>
+              <a:spcAft>
+                <a:spcPts val="600"/>
+              </a:spcAft>
+              <a:buClr>
+                <a:schemeClr val="accent1"/>
+              </a:buClr>
+              <a:buSzPct val="115000"/>
+              <a:buFont typeface="Arial" panose="020B0604020202020204" pitchFamily="34" charset="0"/>
+              <a:buChar char="•"/>
+              <a:defRPr sz="2400" kern="1200">
+                <a:solidFill>
+                  <a:srgbClr val="262626"/>
+                </a:solidFill>
+                <a:latin typeface="+mn-lt"/>
+                <a:ea typeface="+mn-ea"/>
+                <a:cs typeface="+mn-cs"/>
+              </a:defRPr>
+            </a:lvl1pPr>
+            <a:lvl2pPr marL="742950" indent="-285750" algn="l" defTabSz="457200" rtl="0" eaLnBrk="0" fontAlgn="base" hangingPunct="0">
+              <a:spcBef>
+                <a:spcPct val="20000"/>
+              </a:spcBef>
+              <a:spcAft>
+                <a:spcPts val="600"/>
+              </a:spcAft>
+              <a:buClr>
+                <a:schemeClr val="accent1"/>
+              </a:buClr>
+              <a:buSzPct val="115000"/>
+              <a:buFont typeface="Arial" panose="020B0604020202020204" pitchFamily="34" charset="0"/>
+              <a:buChar char="•"/>
+              <a:defRPr sz="2000" kern="1200">
+                <a:solidFill>
+                  <a:srgbClr val="262626"/>
+                </a:solidFill>
+                <a:latin typeface="+mn-lt"/>
+                <a:ea typeface="+mn-ea"/>
+                <a:cs typeface="+mn-cs"/>
+              </a:defRPr>
+            </a:lvl2pPr>
+            <a:lvl3pPr marL="1200150" indent="-285750" algn="l" defTabSz="457200" rtl="0" eaLnBrk="0" fontAlgn="base" hangingPunct="0">
+              <a:spcBef>
+                <a:spcPct val="20000"/>
+              </a:spcBef>
+              <a:spcAft>
+                <a:spcPts val="600"/>
+              </a:spcAft>
+              <a:buClr>
+                <a:schemeClr val="accent1"/>
+              </a:buClr>
+              <a:buSzPct val="115000"/>
+              <a:buFont typeface="Arial" panose="020B0604020202020204" pitchFamily="34" charset="0"/>
+              <a:buChar char="•"/>
+              <a:defRPr kern="1200">
+                <a:solidFill>
+                  <a:srgbClr val="262626"/>
+                </a:solidFill>
+                <a:latin typeface="+mn-lt"/>
+                <a:ea typeface="+mn-ea"/>
+                <a:cs typeface="+mn-cs"/>
+              </a:defRPr>
+            </a:lvl3pPr>
+            <a:lvl4pPr marL="1543050" indent="-171450" algn="l" defTabSz="457200" rtl="0" eaLnBrk="0" fontAlgn="base" hangingPunct="0">
+              <a:spcBef>
+                <a:spcPct val="20000"/>
+              </a:spcBef>
+              <a:spcAft>
+                <a:spcPts val="600"/>
+              </a:spcAft>
+              <a:buClr>
+                <a:schemeClr val="accent1"/>
+              </a:buClr>
+              <a:buSzPct val="115000"/>
+              <a:buFont typeface="Arial" panose="020B0604020202020204" pitchFamily="34" charset="0"/>
+              <a:buChar char="•"/>
+              <a:defRPr sz="1600" kern="1200">
+                <a:solidFill>
+                  <a:srgbClr val="262626"/>
+                </a:solidFill>
+                <a:latin typeface="+mn-lt"/>
+                <a:ea typeface="+mn-ea"/>
+                <a:cs typeface="+mn-cs"/>
+              </a:defRPr>
+            </a:lvl4pPr>
+            <a:lvl5pPr marL="2000250" indent="-171450" algn="l" defTabSz="457200" rtl="0" eaLnBrk="0" fontAlgn="base" hangingPunct="0">
+              <a:spcBef>
+                <a:spcPct val="20000"/>
+              </a:spcBef>
+              <a:spcAft>
+                <a:spcPts val="600"/>
+              </a:spcAft>
+              <a:buClr>
+                <a:schemeClr val="accent1"/>
+              </a:buClr>
+              <a:buSzPct val="115000"/>
+              <a:buFont typeface="Arial" panose="020B0604020202020204" pitchFamily="34" charset="0"/>
+              <a:buChar char="•"/>
+              <a:defRPr sz="1400" kern="1200">
+                <a:solidFill>
+                  <a:srgbClr val="262626"/>
+                </a:solidFill>
+                <a:latin typeface="+mn-lt"/>
+                <a:ea typeface="+mn-ea"/>
+                <a:cs typeface="+mn-cs"/>
+              </a:defRPr>
+            </a:lvl5pPr>
+            <a:lvl6pPr marL="2514600" indent="-228600" algn="l" defTabSz="457200" rtl="0" eaLnBrk="1" latinLnBrk="0" hangingPunct="1">
+              <a:spcBef>
+                <a:spcPct val="20000"/>
+              </a:spcBef>
+              <a:spcAft>
+                <a:spcPts val="600"/>
+              </a:spcAft>
+              <a:buClr>
+                <a:schemeClr val="accent1"/>
+              </a:buClr>
+              <a:buSzPct val="115000"/>
+              <a:buFont typeface="Arial"/>
+              <a:buChar char="•"/>
+              <a:defRPr sz="1400" kern="1200" cap="none">
+                <a:solidFill>
+                  <a:schemeClr val="tx1">
+                    <a:lumMod val="85000"/>
+                    <a:lumOff val="15000"/>
+                  </a:schemeClr>
+                </a:solidFill>
+                <a:effectLst/>
+                <a:latin typeface="+mn-lt"/>
+                <a:ea typeface="+mn-ea"/>
+                <a:cs typeface="+mn-cs"/>
+              </a:defRPr>
+            </a:lvl6pPr>
+            <a:lvl7pPr marL="2971800" indent="-228600" algn="l" defTabSz="457200" rtl="0" eaLnBrk="1" latinLnBrk="0" hangingPunct="1">
+              <a:spcBef>
+                <a:spcPct val="20000"/>
+              </a:spcBef>
+              <a:spcAft>
+                <a:spcPts val="600"/>
+              </a:spcAft>
+              <a:buClr>
+                <a:schemeClr val="accent1"/>
+              </a:buClr>
+              <a:buSzPct val="115000"/>
+              <a:buFont typeface="Arial"/>
+              <a:buChar char="•"/>
+              <a:defRPr sz="1400" kern="1200" cap="none">
+                <a:solidFill>
+                  <a:schemeClr val="tx1">
+                    <a:lumMod val="85000"/>
+                    <a:lumOff val="15000"/>
+                  </a:schemeClr>
+                </a:solidFill>
+                <a:effectLst/>
+                <a:latin typeface="+mn-lt"/>
+                <a:ea typeface="+mn-ea"/>
+                <a:cs typeface="+mn-cs"/>
+              </a:defRPr>
+            </a:lvl7pPr>
+            <a:lvl8pPr marL="3429000" indent="-228600" algn="l" defTabSz="457200" rtl="0" eaLnBrk="1" latinLnBrk="0" hangingPunct="1">
+              <a:spcBef>
+                <a:spcPct val="20000"/>
+              </a:spcBef>
+              <a:spcAft>
+                <a:spcPts val="600"/>
+              </a:spcAft>
+              <a:buClr>
+                <a:schemeClr val="accent1"/>
+              </a:buClr>
+              <a:buSzPct val="115000"/>
+              <a:buFont typeface="Arial"/>
+              <a:buChar char="•"/>
+              <a:defRPr sz="1400" kern="1200" cap="none">
+                <a:solidFill>
+                  <a:schemeClr val="tx1">
+                    <a:lumMod val="85000"/>
+                    <a:lumOff val="15000"/>
+                  </a:schemeClr>
+                </a:solidFill>
+                <a:effectLst/>
+                <a:latin typeface="+mn-lt"/>
+                <a:ea typeface="+mn-ea"/>
+                <a:cs typeface="+mn-cs"/>
+              </a:defRPr>
+            </a:lvl8pPr>
+            <a:lvl9pPr marL="3886200" indent="-228600" algn="l" defTabSz="457200" rtl="0" eaLnBrk="1" latinLnBrk="0" hangingPunct="1">
+              <a:spcBef>
+                <a:spcPct val="20000"/>
+              </a:spcBef>
+              <a:spcAft>
+                <a:spcPts val="600"/>
+              </a:spcAft>
+              <a:buClr>
+                <a:schemeClr val="accent1"/>
+              </a:buClr>
+              <a:buSzPct val="115000"/>
+              <a:buFont typeface="Arial"/>
+              <a:buChar char="•"/>
+              <a:defRPr sz="1400" kern="1200" cap="none">
+                <a:solidFill>
+                  <a:schemeClr val="tx1">
+                    <a:lumMod val="85000"/>
+                    <a:lumOff val="15000"/>
+                  </a:schemeClr>
+                </a:solidFill>
+                <a:effectLst/>
+                <a:latin typeface="+mn-lt"/>
+                <a:ea typeface="+mn-ea"/>
+                <a:cs typeface="+mn-cs"/>
+              </a:defRPr>
+            </a:lvl9pPr>
+          </a:lstStyle>
+          <a:p>
+            <a:pPr marL="0" indent="0">
+              <a:buFont typeface="Arial" panose="020B0604020202020204" pitchFamily="34" charset="0"/>
+              <a:buNone/>
+            </a:pPr>
+            <a:r>
+              <a:rPr lang="en-US" altLang="zh-CN" dirty="0" smtClean="0">
+                <a:latin typeface="Adobe 楷体 Std R" panose="02020400000000000000" pitchFamily="18" charset="-122"/>
+                <a:ea typeface="Adobe 楷体 Std R" panose="02020400000000000000" pitchFamily="18" charset="-122"/>
+              </a:rPr>
+              <a:t>[</a:t>
+            </a:r>
+            <a:r>
               <a:rPr lang="zh-CN" altLang="en-US" dirty="0" smtClean="0">
                 <a:latin typeface="Adobe 楷体 Std R" panose="02020400000000000000" pitchFamily="18" charset="-122"/>
                 <a:ea typeface="Adobe 楷体 Std R" panose="02020400000000000000" pitchFamily="18" charset="-122"/>
               </a:rPr>
-              <a:t>一个</a:t>
+              <a:t>前序工作</a:t>
             </a:r>
             <a:r>
               <a:rPr lang="en-US" altLang="zh-CN" dirty="0" smtClean="0">
                 <a:latin typeface="Adobe 楷体 Std R" panose="02020400000000000000" pitchFamily="18" charset="-122"/>
                 <a:ea typeface="Adobe 楷体 Std R" panose="02020400000000000000" pitchFamily="18" charset="-122"/>
               </a:rPr>
-              <a:t>Idea</a:t>
+              <a:t>]</a:t>
             </a:r>
           </a:p>
           <a:p>
             <a:pPr marL="0" indent="0">
+              <a:buFont typeface="Arial" panose="020B0604020202020204" pitchFamily="34" charset="0"/>
               <a:buNone/>
             </a:pPr>
             <a:r>
+              <a:rPr lang="en-US" altLang="zh-CN" dirty="0" smtClean="0">
+                <a:latin typeface="Adobe 楷体 Std R" panose="02020400000000000000" pitchFamily="18" charset="-122"/>
+                <a:ea typeface="Adobe 楷体 Std R" panose="02020400000000000000" pitchFamily="18" charset="-122"/>
+              </a:rPr>
+              <a:t>[</a:t>
+            </a:r>
+            <a:r>
               <a:rPr lang="zh-CN" altLang="en-US" dirty="0" smtClean="0">
                 <a:latin typeface="Adobe 楷体 Std R" panose="02020400000000000000" pitchFamily="18" charset="-122"/>
                 <a:ea typeface="Adobe 楷体 Std R" panose="02020400000000000000" pitchFamily="18" charset="-122"/>
               </a:rPr>
-              <a:t>组建</a:t>
+              <a:t>准备阶段</a:t>
+            </a:r>
+            <a:r>
+              <a:rPr lang="en-US" altLang="zh-CN" dirty="0" smtClean="0">
+                <a:latin typeface="Adobe 楷体 Std R" panose="02020400000000000000" pitchFamily="18" charset="-122"/>
+                <a:ea typeface="Adobe 楷体 Std R" panose="02020400000000000000" pitchFamily="18" charset="-122"/>
+              </a:rPr>
+              <a:t>]</a:t>
+            </a:r>
+          </a:p>
+          <a:p>
+            <a:pPr marL="0" indent="0">
+              <a:buNone/>
+            </a:pPr>
+            <a:r>
+              <a:rPr lang="en-US" altLang="zh-CN" dirty="0" smtClean="0">
+                <a:latin typeface="Adobe 楷体 Std R" panose="02020400000000000000" pitchFamily="18" charset="-122"/>
+                <a:ea typeface="Adobe 楷体 Std R" panose="02020400000000000000" pitchFamily="18" charset="-122"/>
+              </a:rPr>
+              <a:t>[</a:t>
+            </a:r>
+            <a:r>
+              <a:rPr lang="zh-CN" altLang="en-US" dirty="0" smtClean="0">
+                <a:latin typeface="Adobe 楷体 Std R" panose="02020400000000000000" pitchFamily="18" charset="-122"/>
+                <a:ea typeface="Adobe 楷体 Std R" panose="02020400000000000000" pitchFamily="18" charset="-122"/>
+              </a:rPr>
+              <a:t>订立规范</a:t>
+            </a:r>
+            <a:r>
+              <a:rPr lang="en-US" altLang="zh-CN" dirty="0" smtClean="0">
+                <a:latin typeface="Adobe 楷体 Std R" panose="02020400000000000000" pitchFamily="18" charset="-122"/>
+                <a:ea typeface="Adobe 楷体 Std R" panose="02020400000000000000" pitchFamily="18" charset="-122"/>
+              </a:rPr>
+              <a:t>]</a:t>
+            </a:r>
+          </a:p>
+          <a:p>
+            <a:pPr marL="0" indent="0">
+              <a:buFont typeface="Arial" panose="020B0604020202020204" pitchFamily="34" charset="0"/>
+              <a:buNone/>
+            </a:pPr>
+            <a:r>
+              <a:rPr lang="en-US" altLang="zh-CN" dirty="0" smtClean="0">
+                <a:latin typeface="Adobe 楷体 Std R" panose="02020400000000000000" pitchFamily="18" charset="-122"/>
+                <a:ea typeface="Adobe 楷体 Std R" panose="02020400000000000000" pitchFamily="18" charset="-122"/>
+              </a:rPr>
+              <a:t>[</a:t>
+            </a:r>
+            <a:r>
+              <a:rPr lang="zh-CN" altLang="en-US" dirty="0" smtClean="0">
+                <a:latin typeface="Adobe 楷体 Std R" panose="02020400000000000000" pitchFamily="18" charset="-122"/>
+                <a:ea typeface="Adobe 楷体 Std R" panose="02020400000000000000" pitchFamily="18" charset="-122"/>
+              </a:rPr>
+              <a:t>迭代开发</a:t>
+            </a:r>
+            <a:r>
+              <a:rPr lang="en-US" altLang="zh-CN" dirty="0" smtClean="0">
+                <a:latin typeface="Adobe 楷体 Std R" panose="02020400000000000000" pitchFamily="18" charset="-122"/>
+                <a:ea typeface="Adobe 楷体 Std R" panose="02020400000000000000" pitchFamily="18" charset="-122"/>
+              </a:rPr>
+              <a:t>]</a:t>
+            </a:r>
+            <a:endParaRPr lang="zh-CN" altLang="en-US" dirty="0">
+              <a:latin typeface="Adobe 楷体 Std R" panose="02020400000000000000" pitchFamily="18" charset="-122"/>
+              <a:ea typeface="Adobe 楷体 Std R" panose="02020400000000000000" pitchFamily="18" charset="-122"/>
+            </a:endParaRPr>
+          </a:p>
+        </p:txBody>
+      </p:sp>
+      <p:sp>
+        <p:nvSpPr>
+          <p:cNvPr id="7" name="内容占位符 2"/>
+          <p:cNvSpPr txBox="1">
+            <a:spLocks/>
+          </p:cNvSpPr>
+          <p:nvPr/>
+        </p:nvSpPr>
+        <p:spPr bwMode="auto">
+          <a:xfrm>
+            <a:off x="3722278" y="3429000"/>
+            <a:ext cx="1497793" cy="1152127"/>
+          </a:xfrm>
+          <a:prstGeom prst="rect">
+            <a:avLst/>
+          </a:prstGeom>
+          <a:solidFill>
+            <a:srgbClr val="B1EAED"/>
+          </a:solidFill>
+          <a:ln>
+            <a:noFill/>
+          </a:ln>
+          <a:extLst/>
+        </p:spPr>
+        <p:txBody>
+          <a:bodyPr vert="horz" wrap="square" lIns="91440" tIns="45720" rIns="91440" bIns="45720" numCol="1" anchor="t" anchorCtr="0" compatLnSpc="1">
+            <a:prstTxWarp prst="textNoShape">
+              <a:avLst/>
+            </a:prstTxWarp>
+          </a:bodyPr>
+          <a:lstStyle>
+            <a:lvl1pPr marL="285750" indent="-285750" algn="l" defTabSz="457200" rtl="0" eaLnBrk="0" fontAlgn="base" hangingPunct="0">
+              <a:spcBef>
+                <a:spcPct val="20000"/>
+              </a:spcBef>
+              <a:spcAft>
+                <a:spcPts val="600"/>
+              </a:spcAft>
+              <a:buClr>
+                <a:schemeClr val="accent1"/>
+              </a:buClr>
+              <a:buSzPct val="115000"/>
+              <a:buFont typeface="Arial" panose="020B0604020202020204" pitchFamily="34" charset="0"/>
+              <a:buChar char="•"/>
+              <a:defRPr sz="2400" kern="1200">
+                <a:solidFill>
+                  <a:srgbClr val="262626"/>
+                </a:solidFill>
+                <a:latin typeface="+mn-lt"/>
+                <a:ea typeface="+mn-ea"/>
+                <a:cs typeface="+mn-cs"/>
+              </a:defRPr>
+            </a:lvl1pPr>
+            <a:lvl2pPr marL="742950" indent="-285750" algn="l" defTabSz="457200" rtl="0" eaLnBrk="0" fontAlgn="base" hangingPunct="0">
+              <a:spcBef>
+                <a:spcPct val="20000"/>
+              </a:spcBef>
+              <a:spcAft>
+                <a:spcPts val="600"/>
+              </a:spcAft>
+              <a:buClr>
+                <a:schemeClr val="accent1"/>
+              </a:buClr>
+              <a:buSzPct val="115000"/>
+              <a:buFont typeface="Arial" panose="020B0604020202020204" pitchFamily="34" charset="0"/>
+              <a:buChar char="•"/>
+              <a:defRPr sz="2000" kern="1200">
+                <a:solidFill>
+                  <a:srgbClr val="262626"/>
+                </a:solidFill>
+                <a:latin typeface="+mn-lt"/>
+                <a:ea typeface="+mn-ea"/>
+                <a:cs typeface="+mn-cs"/>
+              </a:defRPr>
+            </a:lvl2pPr>
+            <a:lvl3pPr marL="1200150" indent="-285750" algn="l" defTabSz="457200" rtl="0" eaLnBrk="0" fontAlgn="base" hangingPunct="0">
+              <a:spcBef>
+                <a:spcPct val="20000"/>
+              </a:spcBef>
+              <a:spcAft>
+                <a:spcPts val="600"/>
+              </a:spcAft>
+              <a:buClr>
+                <a:schemeClr val="accent1"/>
+              </a:buClr>
+              <a:buSzPct val="115000"/>
+              <a:buFont typeface="Arial" panose="020B0604020202020204" pitchFamily="34" charset="0"/>
+              <a:buChar char="•"/>
+              <a:defRPr kern="1200">
+                <a:solidFill>
+                  <a:srgbClr val="262626"/>
+                </a:solidFill>
+                <a:latin typeface="+mn-lt"/>
+                <a:ea typeface="+mn-ea"/>
+                <a:cs typeface="+mn-cs"/>
+              </a:defRPr>
+            </a:lvl3pPr>
+            <a:lvl4pPr marL="1543050" indent="-171450" algn="l" defTabSz="457200" rtl="0" eaLnBrk="0" fontAlgn="base" hangingPunct="0">
+              <a:spcBef>
+                <a:spcPct val="20000"/>
+              </a:spcBef>
+              <a:spcAft>
+                <a:spcPts val="600"/>
+              </a:spcAft>
+              <a:buClr>
+                <a:schemeClr val="accent1"/>
+              </a:buClr>
+              <a:buSzPct val="115000"/>
+              <a:buFont typeface="Arial" panose="020B0604020202020204" pitchFamily="34" charset="0"/>
+              <a:buChar char="•"/>
+              <a:defRPr sz="1600" kern="1200">
+                <a:solidFill>
+                  <a:srgbClr val="262626"/>
+                </a:solidFill>
+                <a:latin typeface="+mn-lt"/>
+                <a:ea typeface="+mn-ea"/>
+                <a:cs typeface="+mn-cs"/>
+              </a:defRPr>
+            </a:lvl4pPr>
+            <a:lvl5pPr marL="2000250" indent="-171450" algn="l" defTabSz="457200" rtl="0" eaLnBrk="0" fontAlgn="base" hangingPunct="0">
+              <a:spcBef>
+                <a:spcPct val="20000"/>
+              </a:spcBef>
+              <a:spcAft>
+                <a:spcPts val="600"/>
+              </a:spcAft>
+              <a:buClr>
+                <a:schemeClr val="accent1"/>
+              </a:buClr>
+              <a:buSzPct val="115000"/>
+              <a:buFont typeface="Arial" panose="020B0604020202020204" pitchFamily="34" charset="0"/>
+              <a:buChar char="•"/>
+              <a:defRPr sz="1400" kern="1200">
+                <a:solidFill>
+                  <a:srgbClr val="262626"/>
+                </a:solidFill>
+                <a:latin typeface="+mn-lt"/>
+                <a:ea typeface="+mn-ea"/>
+                <a:cs typeface="+mn-cs"/>
+              </a:defRPr>
+            </a:lvl5pPr>
+            <a:lvl6pPr marL="2514600" indent="-228600" algn="l" defTabSz="457200" rtl="0" eaLnBrk="1" latinLnBrk="0" hangingPunct="1">
+              <a:spcBef>
+                <a:spcPct val="20000"/>
+              </a:spcBef>
+              <a:spcAft>
+                <a:spcPts val="600"/>
+              </a:spcAft>
+              <a:buClr>
+                <a:schemeClr val="accent1"/>
+              </a:buClr>
+              <a:buSzPct val="115000"/>
+              <a:buFont typeface="Arial"/>
+              <a:buChar char="•"/>
+              <a:defRPr sz="1400" kern="1200" cap="none">
+                <a:solidFill>
+                  <a:schemeClr val="tx1">
+                    <a:lumMod val="85000"/>
+                    <a:lumOff val="15000"/>
+                  </a:schemeClr>
+                </a:solidFill>
+                <a:effectLst/>
+                <a:latin typeface="+mn-lt"/>
+                <a:ea typeface="+mn-ea"/>
+                <a:cs typeface="+mn-cs"/>
+              </a:defRPr>
+            </a:lvl6pPr>
+            <a:lvl7pPr marL="2971800" indent="-228600" algn="l" defTabSz="457200" rtl="0" eaLnBrk="1" latinLnBrk="0" hangingPunct="1">
+              <a:spcBef>
+                <a:spcPct val="20000"/>
+              </a:spcBef>
+              <a:spcAft>
+                <a:spcPts val="600"/>
+              </a:spcAft>
+              <a:buClr>
+                <a:schemeClr val="accent1"/>
+              </a:buClr>
+              <a:buSzPct val="115000"/>
+              <a:buFont typeface="Arial"/>
+              <a:buChar char="•"/>
+              <a:defRPr sz="1400" kern="1200" cap="none">
+                <a:solidFill>
+                  <a:schemeClr val="tx1">
+                    <a:lumMod val="85000"/>
+                    <a:lumOff val="15000"/>
+                  </a:schemeClr>
+                </a:solidFill>
+                <a:effectLst/>
+                <a:latin typeface="+mn-lt"/>
+                <a:ea typeface="+mn-ea"/>
+                <a:cs typeface="+mn-cs"/>
+              </a:defRPr>
+            </a:lvl7pPr>
+            <a:lvl8pPr marL="3429000" indent="-228600" algn="l" defTabSz="457200" rtl="0" eaLnBrk="1" latinLnBrk="0" hangingPunct="1">
+              <a:spcBef>
+                <a:spcPct val="20000"/>
+              </a:spcBef>
+              <a:spcAft>
+                <a:spcPts val="600"/>
+              </a:spcAft>
+              <a:buClr>
+                <a:schemeClr val="accent1"/>
+              </a:buClr>
+              <a:buSzPct val="115000"/>
+              <a:buFont typeface="Arial"/>
+              <a:buChar char="•"/>
+              <a:defRPr sz="1400" kern="1200" cap="none">
+                <a:solidFill>
+                  <a:schemeClr val="tx1">
+                    <a:lumMod val="85000"/>
+                    <a:lumOff val="15000"/>
+                  </a:schemeClr>
+                </a:solidFill>
+                <a:effectLst/>
+                <a:latin typeface="+mn-lt"/>
+                <a:ea typeface="+mn-ea"/>
+                <a:cs typeface="+mn-cs"/>
+              </a:defRPr>
+            </a:lvl8pPr>
+            <a:lvl9pPr marL="3886200" indent="-228600" algn="l" defTabSz="457200" rtl="0" eaLnBrk="1" latinLnBrk="0" hangingPunct="1">
+              <a:spcBef>
+                <a:spcPct val="20000"/>
+              </a:spcBef>
+              <a:spcAft>
+                <a:spcPts val="600"/>
+              </a:spcAft>
+              <a:buClr>
+                <a:schemeClr val="accent1"/>
+              </a:buClr>
+              <a:buSzPct val="115000"/>
+              <a:buFont typeface="Arial"/>
+              <a:buChar char="•"/>
+              <a:defRPr sz="1400" kern="1200" cap="none">
+                <a:solidFill>
+                  <a:schemeClr val="tx1">
+                    <a:lumMod val="85000"/>
+                    <a:lumOff val="15000"/>
+                  </a:schemeClr>
+                </a:solidFill>
+                <a:effectLst/>
+                <a:latin typeface="+mn-lt"/>
+                <a:ea typeface="+mn-ea"/>
+                <a:cs typeface="+mn-cs"/>
+              </a:defRPr>
+            </a:lvl9pPr>
+          </a:lstStyle>
+          <a:p>
+            <a:pPr marL="0" indent="0">
+              <a:buFont typeface="Arial" panose="020B0604020202020204" pitchFamily="34" charset="0"/>
+              <a:buNone/>
+            </a:pPr>
+            <a:r>
+              <a:rPr lang="en-US" altLang="zh-CN" sz="1800" dirty="0" smtClean="0">
+                <a:latin typeface="Adobe 楷体 Std R" panose="02020400000000000000" pitchFamily="18" charset="-122"/>
+                <a:ea typeface="Adobe 楷体 Std R" panose="02020400000000000000" pitchFamily="18" charset="-122"/>
+              </a:rPr>
+              <a:t>[</a:t>
+            </a:r>
+            <a:r>
+              <a:rPr lang="zh-CN" altLang="en-US" sz="1800" dirty="0" smtClean="0">
+                <a:latin typeface="Adobe 楷体 Std R" panose="02020400000000000000" pitchFamily="18" charset="-122"/>
+                <a:ea typeface="Adobe 楷体 Std R" panose="02020400000000000000" pitchFamily="18" charset="-122"/>
+              </a:rPr>
+              <a:t>学习调研</a:t>
+            </a:r>
+            <a:r>
+              <a:rPr lang="en-US" altLang="zh-CN" sz="1800" dirty="0" smtClean="0">
+                <a:latin typeface="Adobe 楷体 Std R" panose="02020400000000000000" pitchFamily="18" charset="-122"/>
+                <a:ea typeface="Adobe 楷体 Std R" panose="02020400000000000000" pitchFamily="18" charset="-122"/>
+              </a:rPr>
+              <a:t>]</a:t>
+            </a:r>
+          </a:p>
+          <a:p>
+            <a:pPr marL="0" indent="0">
+              <a:buFont typeface="Arial" panose="020B0604020202020204" pitchFamily="34" charset="0"/>
+              <a:buNone/>
+            </a:pPr>
+            <a:r>
+              <a:rPr lang="en-US" altLang="zh-CN" sz="1800" dirty="0" smtClean="0">
+                <a:latin typeface="Adobe 楷体 Std R" panose="02020400000000000000" pitchFamily="18" charset="-122"/>
+                <a:ea typeface="Adobe 楷体 Std R" panose="02020400000000000000" pitchFamily="18" charset="-122"/>
+              </a:rPr>
+              <a:t>[</a:t>
+            </a:r>
+            <a:r>
+              <a:rPr lang="zh-CN" altLang="en-US" sz="1800" dirty="0" smtClean="0">
+                <a:latin typeface="Adobe 楷体 Std R" panose="02020400000000000000" pitchFamily="18" charset="-122"/>
+                <a:ea typeface="Adobe 楷体 Std R" panose="02020400000000000000" pitchFamily="18" charset="-122"/>
+              </a:rPr>
+              <a:t>开发环境</a:t>
+            </a:r>
+            <a:r>
+              <a:rPr lang="en-US" altLang="zh-CN" sz="1800" dirty="0" smtClean="0">
+                <a:latin typeface="Adobe 楷体 Std R" panose="02020400000000000000" pitchFamily="18" charset="-122"/>
+                <a:ea typeface="Adobe 楷体 Std R" panose="02020400000000000000" pitchFamily="18" charset="-122"/>
+              </a:rPr>
+              <a:t>]</a:t>
+            </a:r>
+          </a:p>
+          <a:p>
+            <a:pPr marL="0" indent="0">
+              <a:buFont typeface="Arial" panose="020B0604020202020204" pitchFamily="34" charset="0"/>
+              <a:buNone/>
+            </a:pPr>
+            <a:r>
+              <a:rPr lang="en-US" altLang="zh-CN" sz="1800" dirty="0" smtClean="0">
+                <a:latin typeface="Adobe 楷体 Std R" panose="02020400000000000000" pitchFamily="18" charset="-122"/>
+                <a:ea typeface="Adobe 楷体 Std R" panose="02020400000000000000" pitchFamily="18" charset="-122"/>
+              </a:rPr>
+              <a:t>[</a:t>
+            </a:r>
+            <a:r>
+              <a:rPr lang="zh-CN" altLang="en-US" sz="1800" dirty="0" smtClean="0">
+                <a:latin typeface="Adobe 楷体 Std R" panose="02020400000000000000" pitchFamily="18" charset="-122"/>
+                <a:ea typeface="Adobe 楷体 Std R" panose="02020400000000000000" pitchFamily="18" charset="-122"/>
+              </a:rPr>
+              <a:t>建库</a:t>
+            </a:r>
+            <a:r>
+              <a:rPr lang="en-US" altLang="zh-CN" sz="1800" dirty="0" smtClean="0">
+                <a:latin typeface="Adobe 楷体 Std R" panose="02020400000000000000" pitchFamily="18" charset="-122"/>
+                <a:ea typeface="Adobe 楷体 Std R" panose="02020400000000000000" pitchFamily="18" charset="-122"/>
+              </a:rPr>
+              <a:t>]	</a:t>
+            </a:r>
+            <a:endParaRPr lang="zh-CN" altLang="en-US" sz="1800" dirty="0">
+              <a:latin typeface="Adobe 楷体 Std R" panose="02020400000000000000" pitchFamily="18" charset="-122"/>
+              <a:ea typeface="Adobe 楷体 Std R" panose="02020400000000000000" pitchFamily="18" charset="-122"/>
+            </a:endParaRPr>
+          </a:p>
+        </p:txBody>
+      </p:sp>
+      <p:sp>
+        <p:nvSpPr>
+          <p:cNvPr id="8" name="矩形 7"/>
+          <p:cNvSpPr/>
+          <p:nvPr/>
+        </p:nvSpPr>
+        <p:spPr>
+          <a:xfrm>
+            <a:off x="4385527" y="4773921"/>
+            <a:ext cx="1308249" cy="923330"/>
+          </a:xfrm>
+          <a:prstGeom prst="rect">
+            <a:avLst/>
+          </a:prstGeom>
+          <a:solidFill>
+            <a:srgbClr val="FFCC99"/>
+          </a:solidFill>
+        </p:spPr>
+        <p:txBody>
+          <a:bodyPr wrap="square">
+            <a:spAutoFit/>
+          </a:bodyPr>
+          <a:lstStyle/>
+          <a:p>
+            <a:pPr marL="0" indent="0">
+              <a:buNone/>
+            </a:pPr>
+            <a:r>
+              <a:rPr lang="en-US" altLang="zh-CN" dirty="0" smtClean="0">
+                <a:latin typeface="Adobe 楷体 Std R" panose="02020400000000000000" pitchFamily="18" charset="-122"/>
+                <a:ea typeface="Adobe 楷体 Std R" panose="02020400000000000000" pitchFamily="18" charset="-122"/>
+              </a:rPr>
+              <a:t>[</a:t>
             </a:r>
             <a:r>
               <a:rPr lang="zh-CN" altLang="en-US" dirty="0">
                 <a:latin typeface="Adobe 楷体 Std R" panose="02020400000000000000" pitchFamily="18" charset="-122"/>
                 <a:ea typeface="Adobe 楷体 Std R" panose="02020400000000000000" pitchFamily="18" charset="-122"/>
               </a:rPr>
-              <a:t>团队</a:t>
+              <a:t>管理规范</a:t>
             </a:r>
             <a:r>
               <a:rPr lang="en-US" altLang="zh-CN" dirty="0">
                 <a:latin typeface="Adobe 楷体 Std R" panose="02020400000000000000" pitchFamily="18" charset="-122"/>
                 <a:ea typeface="Adobe 楷体 Std R" panose="02020400000000000000" pitchFamily="18" charset="-122"/>
               </a:rPr>
-              <a:t>/</a:t>
+              <a:t>]</a:t>
+            </a:r>
+          </a:p>
+          <a:p>
+            <a:pPr marL="0" indent="0">
+              <a:buNone/>
+            </a:pPr>
+            <a:r>
+              <a:rPr lang="en-US" altLang="zh-CN" dirty="0" smtClean="0">
+                <a:latin typeface="Adobe 楷体 Std R" panose="02020400000000000000" pitchFamily="18" charset="-122"/>
+                <a:ea typeface="Adobe 楷体 Std R" panose="02020400000000000000" pitchFamily="18" charset="-122"/>
+              </a:rPr>
+              <a:t>[</a:t>
             </a:r>
             <a:r>
               <a:rPr lang="zh-CN" altLang="en-US" dirty="0">
                 <a:latin typeface="Adobe 楷体 Std R" panose="02020400000000000000" pitchFamily="18" charset="-122"/>
                 <a:ea typeface="Adobe 楷体 Std R" panose="02020400000000000000" pitchFamily="18" charset="-122"/>
               </a:rPr>
-              <a:t>分工</a:t>
+              <a:t>流程规范</a:t>
+            </a:r>
+            <a:r>
+              <a:rPr lang="en-US" altLang="zh-CN" dirty="0">
+                <a:latin typeface="Adobe 楷体 Std R" panose="02020400000000000000" pitchFamily="18" charset="-122"/>
+                <a:ea typeface="Adobe 楷体 Std R" panose="02020400000000000000" pitchFamily="18" charset="-122"/>
+              </a:rPr>
+              <a:t>]</a:t>
             </a:r>
           </a:p>
           <a:p>
@@ -10060,14 +11276,122 @@
               <a:buNone/>
             </a:pPr>
             <a:r>
+              <a:rPr lang="en-US" altLang="zh-CN" dirty="0" smtClean="0">
+                <a:latin typeface="Adobe 楷体 Std R" panose="02020400000000000000" pitchFamily="18" charset="-122"/>
+                <a:ea typeface="Adobe 楷体 Std R" panose="02020400000000000000" pitchFamily="18" charset="-122"/>
+              </a:rPr>
+              <a:t>[</a:t>
+            </a:r>
+            <a:r>
+              <a:rPr lang="zh-CN" altLang="en-US" dirty="0" smtClean="0">
+                <a:latin typeface="Adobe 楷体 Std R" panose="02020400000000000000" pitchFamily="18" charset="-122"/>
+                <a:ea typeface="Adobe 楷体 Std R" panose="02020400000000000000" pitchFamily="18" charset="-122"/>
+              </a:rPr>
+              <a:t>开发规范</a:t>
+            </a:r>
+            <a:r>
+              <a:rPr lang="en-US" altLang="zh-CN" dirty="0">
+                <a:latin typeface="Adobe 楷体 Std R" panose="02020400000000000000" pitchFamily="18" charset="-122"/>
+                <a:ea typeface="Adobe 楷体 Std R" panose="02020400000000000000" pitchFamily="18" charset="-122"/>
+              </a:rPr>
+              <a:t>]</a:t>
+            </a:r>
+            <a:endParaRPr lang="zh-CN" altLang="en-US" dirty="0">
+              <a:latin typeface="Adobe 楷体 Std R" panose="02020400000000000000" pitchFamily="18" charset="-122"/>
+              <a:ea typeface="Adobe 楷体 Std R" panose="02020400000000000000" pitchFamily="18" charset="-122"/>
+            </a:endParaRPr>
+          </a:p>
+        </p:txBody>
+      </p:sp>
+      <p:sp>
+        <p:nvSpPr>
+          <p:cNvPr id="9" name="矩形 8"/>
+          <p:cNvSpPr/>
+          <p:nvPr/>
+        </p:nvSpPr>
+        <p:spPr>
+          <a:xfrm>
+            <a:off x="1475656" y="4869160"/>
+            <a:ext cx="858861" cy="1200329"/>
+          </a:xfrm>
+          <a:prstGeom prst="rect">
+            <a:avLst/>
+          </a:prstGeom>
+          <a:solidFill>
+            <a:srgbClr val="92D050"/>
+          </a:solidFill>
+        </p:spPr>
+        <p:txBody>
+          <a:bodyPr wrap="square">
+            <a:spAutoFit/>
+          </a:bodyPr>
+          <a:lstStyle/>
+          <a:p>
+            <a:pPr marL="0" indent="0">
+              <a:buNone/>
+            </a:pPr>
+            <a:r>
+              <a:rPr lang="en-US" altLang="zh-CN" dirty="0" smtClean="0">
+                <a:latin typeface="Adobe 楷体 Std R" panose="02020400000000000000" pitchFamily="18" charset="-122"/>
+                <a:ea typeface="Adobe 楷体 Std R" panose="02020400000000000000" pitchFamily="18" charset="-122"/>
+              </a:rPr>
+              <a:t>[</a:t>
+            </a:r>
+            <a:r>
+              <a:rPr lang="zh-CN" altLang="en-US" dirty="0" smtClean="0">
+                <a:latin typeface="Adobe 楷体 Std R" panose="02020400000000000000" pitchFamily="18" charset="-122"/>
+                <a:ea typeface="Adobe 楷体 Std R" panose="02020400000000000000" pitchFamily="18" charset="-122"/>
+              </a:rPr>
+              <a:t>需求</a:t>
+            </a:r>
+            <a:r>
+              <a:rPr lang="en-US" altLang="zh-CN" dirty="0" smtClean="0">
+                <a:latin typeface="Adobe 楷体 Std R" panose="02020400000000000000" pitchFamily="18" charset="-122"/>
+                <a:ea typeface="Adobe 楷体 Std R" panose="02020400000000000000" pitchFamily="18" charset="-122"/>
+              </a:rPr>
+              <a:t>]</a:t>
+            </a:r>
+            <a:endParaRPr lang="en-US" altLang="zh-CN" dirty="0">
+              <a:latin typeface="Adobe 楷体 Std R" panose="02020400000000000000" pitchFamily="18" charset="-122"/>
+              <a:ea typeface="Adobe 楷体 Std R" panose="02020400000000000000" pitchFamily="18" charset="-122"/>
+            </a:endParaRPr>
+          </a:p>
+          <a:p>
+            <a:pPr marL="0" indent="0">
+              <a:buNone/>
+            </a:pPr>
+            <a:r>
+              <a:rPr lang="en-US" altLang="zh-CN" dirty="0" smtClean="0">
+                <a:latin typeface="Adobe 楷体 Std R" panose="02020400000000000000" pitchFamily="18" charset="-122"/>
+                <a:ea typeface="Adobe 楷体 Std R" panose="02020400000000000000" pitchFamily="18" charset="-122"/>
+              </a:rPr>
+              <a:t>[</a:t>
+            </a:r>
+            <a:r>
               <a:rPr lang="zh-CN" altLang="en-US" dirty="0">
                 <a:latin typeface="Adobe 楷体 Std R" panose="02020400000000000000" pitchFamily="18" charset="-122"/>
                 <a:ea typeface="Adobe 楷体 Std R" panose="02020400000000000000" pitchFamily="18" charset="-122"/>
               </a:rPr>
-              <a:t>	</a:t>
-            </a:r>
-            <a:r>
-              <a:rPr lang="en-US" altLang="zh-CN" dirty="0">
+              <a:t>设计</a:t>
+            </a:r>
+            <a:r>
+              <a:rPr lang="en-US" altLang="zh-CN" dirty="0" smtClean="0">
+                <a:latin typeface="Adobe 楷体 Std R" panose="02020400000000000000" pitchFamily="18" charset="-122"/>
+                <a:ea typeface="Adobe 楷体 Std R" panose="02020400000000000000" pitchFamily="18" charset="-122"/>
+              </a:rPr>
+              <a:t>]</a:t>
+            </a:r>
+            <a:endParaRPr lang="en-US" altLang="zh-CN" dirty="0">
+              <a:latin typeface="Adobe 楷体 Std R" panose="02020400000000000000" pitchFamily="18" charset="-122"/>
+              <a:ea typeface="Adobe 楷体 Std R" panose="02020400000000000000" pitchFamily="18" charset="-122"/>
+            </a:endParaRPr>
+          </a:p>
+          <a:p>
+            <a:pPr marL="0" indent="0">
+              <a:buNone/>
+            </a:pPr>
+            <a:r>
+              <a:rPr lang="en-US" altLang="zh-CN" dirty="0" smtClean="0">
                 <a:latin typeface="Adobe 楷体 Std R" panose="02020400000000000000" pitchFamily="18" charset="-122"/>
                 <a:ea typeface="Adobe 楷体 Std R" panose="02020400000000000000" pitchFamily="18" charset="-122"/>
               </a:rPr>
@@ -10078,10 +11402,10 @@
                 <a:latin typeface="Adobe 楷体 Std R" panose="02020400000000000000" pitchFamily="18" charset="-122"/>
                 <a:ea typeface="Adobe 楷体 Std R" panose="02020400000000000000" pitchFamily="18" charset="-122"/>
               </a:rPr>
-              <a:t>产品经理</a:t>
-            </a:r>
-            <a:r>
-              <a:rPr lang="en-US" altLang="zh-CN" dirty="0">
+              <a:t>实现</a:t>
+            </a:r>
+            <a:r>
+              <a:rPr lang="en-US" altLang="zh-CN" dirty="0" smtClean="0">
                 <a:latin typeface="Adobe 楷体 Std R" panose="02020400000000000000" pitchFamily="18" charset="-122"/>
                 <a:ea typeface="Adobe 楷体 Std R" panose="02020400000000000000" pitchFamily="18" charset="-122"/>
               </a:rPr>
@@ -10089,115 +11413,220 @@
             </a:r>
           </a:p>
           <a:p>
-            <a:pPr marL="0" indent="0">
-              <a:buNone/>
-            </a:pPr>
-            <a:r>
-              <a:rPr lang="en-US" altLang="zh-CN" dirty="0">
-                <a:latin typeface="Adobe 楷体 Std R" panose="02020400000000000000" pitchFamily="18" charset="-122"/>
-                <a:ea typeface="Adobe 楷体 Std R" panose="02020400000000000000" pitchFamily="18" charset="-122"/>
-              </a:rPr>
-              <a:t>	[</a:t>
+            <a:r>
+              <a:rPr lang="en-US" altLang="zh-CN" dirty="0" smtClean="0">
+                <a:latin typeface="Adobe 楷体 Std R" panose="02020400000000000000" pitchFamily="18" charset="-122"/>
+                <a:ea typeface="Adobe 楷体 Std R" panose="02020400000000000000" pitchFamily="18" charset="-122"/>
+              </a:rPr>
+              <a:t>[</a:t>
             </a:r>
             <a:r>
               <a:rPr lang="zh-CN" altLang="en-US" dirty="0">
                 <a:latin typeface="Adobe 楷体 Std R" panose="02020400000000000000" pitchFamily="18" charset="-122"/>
                 <a:ea typeface="Adobe 楷体 Std R" panose="02020400000000000000" pitchFamily="18" charset="-122"/>
               </a:rPr>
-              <a:t>项目经理</a:t>
-            </a:r>
-            <a:r>
-              <a:rPr lang="en-US" altLang="zh-CN" dirty="0">
+              <a:t>测试</a:t>
+            </a:r>
+            <a:r>
+              <a:rPr lang="en-US" altLang="zh-CN" dirty="0" smtClean="0">
                 <a:latin typeface="Adobe 楷体 Std R" panose="02020400000000000000" pitchFamily="18" charset="-122"/>
                 <a:ea typeface="Adobe 楷体 Std R" panose="02020400000000000000" pitchFamily="18" charset="-122"/>
               </a:rPr>
               <a:t>]</a:t>
             </a:r>
-          </a:p>
-          <a:p>
-            <a:pPr marL="0" indent="0">
-              <a:buNone/>
-            </a:pPr>
-            <a:r>
-              <a:rPr lang="en-US" altLang="zh-CN" dirty="0">
-                <a:latin typeface="Adobe 楷体 Std R" panose="02020400000000000000" pitchFamily="18" charset="-122"/>
-                <a:ea typeface="Adobe 楷体 Std R" panose="02020400000000000000" pitchFamily="18" charset="-122"/>
-              </a:rPr>
-              <a:t>	[</a:t>
-            </a:r>
-            <a:r>
-              <a:rPr lang="zh-CN" altLang="en-US" dirty="0">
-                <a:latin typeface="Adobe 楷体 Std R" panose="02020400000000000000" pitchFamily="18" charset="-122"/>
-                <a:ea typeface="Adobe 楷体 Std R" panose="02020400000000000000" pitchFamily="18" charset="-122"/>
-              </a:rPr>
-              <a:t>设计者</a:t>
-            </a:r>
-            <a:r>
-              <a:rPr lang="en-US" altLang="zh-CN" dirty="0">
-                <a:latin typeface="Adobe 楷体 Std R" panose="02020400000000000000" pitchFamily="18" charset="-122"/>
-                <a:ea typeface="Adobe 楷体 Std R" panose="02020400000000000000" pitchFamily="18" charset="-122"/>
-              </a:rPr>
-              <a:t>]</a:t>
-            </a:r>
-          </a:p>
-          <a:p>
-            <a:pPr marL="0" indent="0">
-              <a:buNone/>
-            </a:pPr>
-            <a:r>
-              <a:rPr lang="en-US" altLang="zh-CN" dirty="0">
-                <a:latin typeface="Adobe 楷体 Std R" panose="02020400000000000000" pitchFamily="18" charset="-122"/>
-                <a:ea typeface="Adobe 楷体 Std R" panose="02020400000000000000" pitchFamily="18" charset="-122"/>
-              </a:rPr>
-              <a:t>	[</a:t>
-            </a:r>
-            <a:r>
-              <a:rPr lang="zh-CN" altLang="en-US" dirty="0">
-                <a:latin typeface="Adobe 楷体 Std R" panose="02020400000000000000" pitchFamily="18" charset="-122"/>
-                <a:ea typeface="Adobe 楷体 Std R" panose="02020400000000000000" pitchFamily="18" charset="-122"/>
-              </a:rPr>
-              <a:t>开发者</a:t>
-            </a:r>
-            <a:r>
-              <a:rPr lang="en-US" altLang="zh-CN" dirty="0">
-                <a:latin typeface="Adobe 楷体 Std R" panose="02020400000000000000" pitchFamily="18" charset="-122"/>
-                <a:ea typeface="Adobe 楷体 Std R" panose="02020400000000000000" pitchFamily="18" charset="-122"/>
-              </a:rPr>
-              <a:t>]</a:t>
-            </a:r>
-          </a:p>
-          <a:p>
-            <a:pPr marL="0" indent="0">
-              <a:buNone/>
-            </a:pPr>
-            <a:r>
-              <a:rPr lang="en-US" altLang="zh-CN" dirty="0">
-                <a:latin typeface="Adobe 楷体 Std R" panose="02020400000000000000" pitchFamily="18" charset="-122"/>
-                <a:ea typeface="Adobe 楷体 Std R" panose="02020400000000000000" pitchFamily="18" charset="-122"/>
-              </a:rPr>
-              <a:t>	[</a:t>
-            </a:r>
-            <a:r>
-              <a:rPr lang="zh-CN" altLang="en-US" dirty="0">
-                <a:latin typeface="Adobe 楷体 Std R" panose="02020400000000000000" pitchFamily="18" charset="-122"/>
-                <a:ea typeface="Adobe 楷体 Std R" panose="02020400000000000000" pitchFamily="18" charset="-122"/>
-              </a:rPr>
-              <a:t>测试者</a:t>
-            </a:r>
-            <a:r>
-              <a:rPr lang="en-US" altLang="zh-CN" dirty="0">
-                <a:latin typeface="Adobe 楷体 Std R" panose="02020400000000000000" pitchFamily="18" charset="-122"/>
-                <a:ea typeface="Adobe 楷体 Std R" panose="02020400000000000000" pitchFamily="18" charset="-122"/>
-              </a:rPr>
-              <a:t>]</a:t>
-            </a:r>
-          </a:p>
-        </p:txBody>
-      </p:sp>
+            <a:endParaRPr lang="zh-CN" altLang="en-US" dirty="0">
+              <a:latin typeface="Adobe 楷体 Std R" panose="02020400000000000000" pitchFamily="18" charset="-122"/>
+              <a:ea typeface="Adobe 楷体 Std R" panose="02020400000000000000" pitchFamily="18" charset="-122"/>
+            </a:endParaRPr>
+          </a:p>
+        </p:txBody>
+      </p:sp>
+      <p:cxnSp>
+        <p:nvCxnSpPr>
+          <p:cNvPr id="11" name="曲线连接符 10"/>
+          <p:cNvCxnSpPr/>
+          <p:nvPr/>
+        </p:nvCxnSpPr>
+        <p:spPr>
+          <a:xfrm>
+            <a:off x="2699792" y="2852936"/>
+            <a:ext cx="1022486" cy="108012"/>
+          </a:xfrm>
+          <a:prstGeom prst="curvedConnector3">
+            <a:avLst/>
+          </a:prstGeom>
+          <a:ln>
+            <a:tailEnd type="triangle"/>
+          </a:ln>
+        </p:spPr>
+        <p:style>
+          <a:lnRef idx="3">
+            <a:schemeClr val="accent5"/>
+          </a:lnRef>
+          <a:fillRef idx="0">
+            <a:schemeClr val="accent5"/>
+          </a:fillRef>
+          <a:effectRef idx="2">
+            <a:schemeClr val="accent5"/>
+          </a:effectRef>
+          <a:fontRef idx="minor">
+            <a:schemeClr val="tx1"/>
+          </a:fontRef>
+        </p:style>
+      </p:cxnSp>
+      <p:cxnSp>
+        <p:nvCxnSpPr>
+          <p:cNvPr id="12" name="曲线连接符 11"/>
+          <p:cNvCxnSpPr>
+            <a:endCxn id="5" idx="1"/>
+          </p:cNvCxnSpPr>
+          <p:nvPr/>
+        </p:nvCxnSpPr>
+        <p:spPr>
+          <a:xfrm>
+            <a:off x="5436096" y="3140968"/>
+            <a:ext cx="1152128" cy="125431"/>
+          </a:xfrm>
+          <a:prstGeom prst="curvedConnector3">
+            <a:avLst>
+              <a:gd name="adj1" fmla="val 50000"/>
+            </a:avLst>
+          </a:prstGeom>
+          <a:ln>
+            <a:tailEnd type="triangle"/>
+          </a:ln>
+        </p:spPr>
+        <p:style>
+          <a:lnRef idx="3">
+            <a:schemeClr val="accent5"/>
+          </a:lnRef>
+          <a:fillRef idx="0">
+            <a:schemeClr val="accent5"/>
+          </a:fillRef>
+          <a:effectRef idx="2">
+            <a:schemeClr val="accent5"/>
+          </a:effectRef>
+          <a:fontRef idx="minor">
+            <a:schemeClr val="tx1"/>
+          </a:fontRef>
+        </p:style>
+      </p:cxnSp>
+      <p:cxnSp>
+        <p:nvCxnSpPr>
+          <p:cNvPr id="16" name="曲线连接符 15"/>
+          <p:cNvCxnSpPr>
+            <a:endCxn id="7" idx="1"/>
+          </p:cNvCxnSpPr>
+          <p:nvPr/>
+        </p:nvCxnSpPr>
+        <p:spPr>
+          <a:xfrm>
+            <a:off x="2699792" y="3409471"/>
+            <a:ext cx="1022486" cy="595593"/>
+          </a:xfrm>
+          <a:prstGeom prst="curvedConnector3">
+            <a:avLst>
+              <a:gd name="adj1" fmla="val 50000"/>
+            </a:avLst>
+          </a:prstGeom>
+          <a:ln>
+            <a:tailEnd type="triangle"/>
+          </a:ln>
+        </p:spPr>
+        <p:style>
+          <a:lnRef idx="3">
+            <a:schemeClr val="accent5"/>
+          </a:lnRef>
+          <a:fillRef idx="0">
+            <a:schemeClr val="accent5"/>
+          </a:fillRef>
+          <a:effectRef idx="2">
+            <a:schemeClr val="accent5"/>
+          </a:effectRef>
+          <a:fontRef idx="minor">
+            <a:schemeClr val="tx1"/>
+          </a:fontRef>
+        </p:style>
+      </p:cxnSp>
+      <p:cxnSp>
+        <p:nvCxnSpPr>
+          <p:cNvPr id="19" name="曲线连接符 18"/>
+          <p:cNvCxnSpPr>
+            <a:endCxn id="8" idx="1"/>
+          </p:cNvCxnSpPr>
+          <p:nvPr/>
+        </p:nvCxnSpPr>
+        <p:spPr>
+          <a:xfrm>
+            <a:off x="2699792" y="3876007"/>
+            <a:ext cx="1685735" cy="1359579"/>
+          </a:xfrm>
+          <a:prstGeom prst="curvedConnector3">
+            <a:avLst>
+              <a:gd name="adj1" fmla="val 50000"/>
+            </a:avLst>
+          </a:prstGeom>
+          <a:ln>
+            <a:tailEnd type="triangle"/>
+          </a:ln>
+        </p:spPr>
+        <p:style>
+          <a:lnRef idx="3">
+            <a:schemeClr val="accent5"/>
+          </a:lnRef>
+          <a:fillRef idx="0">
+            <a:schemeClr val="accent5"/>
+          </a:fillRef>
+          <a:effectRef idx="2">
+            <a:schemeClr val="accent5"/>
+          </a:effectRef>
+          <a:fontRef idx="minor">
+            <a:schemeClr val="tx1"/>
+          </a:fontRef>
+        </p:style>
+      </p:cxnSp>
+      <p:cxnSp>
+        <p:nvCxnSpPr>
+          <p:cNvPr id="23" name="曲线连接符 22"/>
+          <p:cNvCxnSpPr>
+            <a:endCxn id="9" idx="1"/>
+          </p:cNvCxnSpPr>
+          <p:nvPr/>
+        </p:nvCxnSpPr>
+        <p:spPr>
+          <a:xfrm rot="5400000">
+            <a:off x="1283586" y="4773199"/>
+            <a:ext cx="888196" cy="504056"/>
+          </a:xfrm>
+          <a:prstGeom prst="curvedConnector4">
+            <a:avLst>
+              <a:gd name="adj1" fmla="val 16214"/>
+              <a:gd name="adj2" fmla="val 145352"/>
+            </a:avLst>
+          </a:prstGeom>
+          <a:ln>
+            <a:tailEnd type="triangle"/>
+          </a:ln>
+        </p:spPr>
+        <p:style>
+          <a:lnRef idx="3">
+            <a:schemeClr val="accent5"/>
+          </a:lnRef>
+          <a:fillRef idx="0">
+            <a:schemeClr val="accent5"/>
+          </a:fillRef>
+          <a:effectRef idx="2">
+            <a:schemeClr val="accent5"/>
+          </a:effectRef>
+          <a:fontRef idx="minor">
+            <a:schemeClr val="tx1"/>
+          </a:fontRef>
+        </p:style>
+      </p:cxnSp>
     </p:spTree>
     <p:extLst>
       <p:ext uri="{BB962C8B-B14F-4D97-AF65-F5344CB8AC3E}">
-        <p14:creationId xmlns:p14="http://schemas.microsoft.com/office/powerpoint/2010/main" val="4151067930"/>
+        <p14:creationId xmlns:p14="http://schemas.microsoft.com/office/powerpoint/2010/main" val="2196937027"/>
       </p:ext>
     </p:extLst>
   </p:cSld>
@@ -10244,7 +11673,7 @@
                 <a:latin typeface="Adobe 黑体 Std R" panose="020B0400000000000000" pitchFamily="34" charset="-122"/>
                 <a:ea typeface="Adobe 黑体 Std R" panose="020B0400000000000000" pitchFamily="34" charset="-122"/>
               </a:rPr>
-              <a:t>准备阶段</a:t>
+              <a:t>前序工作</a:t>
             </a:r>
             <a:endParaRPr lang="zh-CN" altLang="en-US" dirty="0">
               <a:latin typeface="Adobe 黑体 Std R" panose="020B0400000000000000" pitchFamily="34" charset="-122"/>
@@ -10272,11 +11701,51 @@
               <a:buNone/>
             </a:pPr>
             <a:r>
+              <a:rPr lang="zh-CN" altLang="en-US" dirty="0" smtClean="0">
+                <a:latin typeface="Adobe 楷体 Std R" panose="02020400000000000000" pitchFamily="18" charset="-122"/>
+                <a:ea typeface="Adobe 楷体 Std R" panose="02020400000000000000" pitchFamily="18" charset="-122"/>
+              </a:rPr>
+              <a:t>一个</a:t>
+            </a:r>
+            <a:r>
+              <a:rPr lang="en-US" altLang="zh-CN" dirty="0" smtClean="0">
+                <a:latin typeface="Adobe 楷体 Std R" panose="02020400000000000000" pitchFamily="18" charset="-122"/>
+                <a:ea typeface="Adobe 楷体 Std R" panose="02020400000000000000" pitchFamily="18" charset="-122"/>
+              </a:rPr>
+              <a:t>Idea</a:t>
+            </a:r>
+          </a:p>
+          <a:p>
+            <a:pPr marL="0" indent="0">
+              <a:buNone/>
+            </a:pPr>
+            <a:r>
+              <a:rPr lang="zh-CN" altLang="en-US" dirty="0" smtClean="0">
+                <a:latin typeface="Adobe 楷体 Std R" panose="02020400000000000000" pitchFamily="18" charset="-122"/>
+                <a:ea typeface="Adobe 楷体 Std R" panose="02020400000000000000" pitchFamily="18" charset="-122"/>
+              </a:rPr>
+              <a:t>组建</a:t>
+            </a:r>
+            <a:r>
               <a:rPr lang="zh-CN" altLang="en-US" dirty="0">
                 <a:latin typeface="Adobe 楷体 Std R" panose="02020400000000000000" pitchFamily="18" charset="-122"/>
                 <a:ea typeface="Adobe 楷体 Std R" panose="02020400000000000000" pitchFamily="18" charset="-122"/>
               </a:rPr>
-              <a:t>开启项目</a:t>
+              <a:t>团队</a:t>
+            </a:r>
+            <a:r>
+              <a:rPr lang="en-US" altLang="zh-CN" dirty="0">
+                <a:latin typeface="Adobe 楷体 Std R" panose="02020400000000000000" pitchFamily="18" charset="-122"/>
+                <a:ea typeface="Adobe 楷体 Std R" panose="02020400000000000000" pitchFamily="18" charset="-122"/>
+              </a:rPr>
+              <a:t>/</a:t>
+            </a:r>
+            <a:r>
+              <a:rPr lang="zh-CN" altLang="en-US" dirty="0">
+                <a:latin typeface="Adobe 楷体 Std R" panose="02020400000000000000" pitchFamily="18" charset="-122"/>
+                <a:ea typeface="Adobe 楷体 Std R" panose="02020400000000000000" pitchFamily="18" charset="-122"/>
+              </a:rPr>
+              <a:t>分工</a:t>
             </a:r>
           </a:p>
           <a:p>
@@ -10284,7 +11753,40 @@
               <a:buNone/>
             </a:pPr>
             <a:r>
-              <a:rPr lang="en-US" altLang="zh-CN" dirty="0" smtClean="0">
+              <a:rPr lang="zh-CN" altLang="en-US" dirty="0">
+                <a:latin typeface="Adobe 楷体 Std R" panose="02020400000000000000" pitchFamily="18" charset="-122"/>
+                <a:ea typeface="Adobe 楷体 Std R" panose="02020400000000000000" pitchFamily="18" charset="-122"/>
+              </a:rPr>
+              <a:t>	</a:t>
+            </a:r>
+            <a:r>
+              <a:rPr lang="en-US" altLang="zh-CN" dirty="0">
+                <a:latin typeface="Adobe 楷体 Std R" panose="02020400000000000000" pitchFamily="18" charset="-122"/>
+                <a:ea typeface="Adobe 楷体 Std R" panose="02020400000000000000" pitchFamily="18" charset="-122"/>
+              </a:rPr>
+              <a:t>[</a:t>
+            </a:r>
+            <a:r>
+              <a:rPr lang="zh-CN" altLang="en-US" dirty="0">
+                <a:latin typeface="Adobe 楷体 Std R" panose="02020400000000000000" pitchFamily="18" charset="-122"/>
+                <a:ea typeface="Adobe 楷体 Std R" panose="02020400000000000000" pitchFamily="18" charset="-122"/>
+              </a:rPr>
+              <a:t>产品经理</a:t>
+            </a:r>
+            <a:r>
+              <a:rPr lang="en-US" altLang="zh-CN" dirty="0">
+                <a:latin typeface="Adobe 楷体 Std R" panose="02020400000000000000" pitchFamily="18" charset="-122"/>
+                <a:ea typeface="Adobe 楷体 Std R" panose="02020400000000000000" pitchFamily="18" charset="-122"/>
+              </a:rPr>
+              <a:t>]</a:t>
+            </a:r>
+          </a:p>
+          <a:p>
+            <a:pPr marL="0" indent="0">
+              <a:buNone/>
+            </a:pPr>
+            <a:r>
+              <a:rPr lang="en-US" altLang="zh-CN" dirty="0">
                 <a:latin typeface="Adobe 楷体 Std R" panose="02020400000000000000" pitchFamily="18" charset="-122"/>
                 <a:ea typeface="Adobe 楷体 Std R" panose="02020400000000000000" pitchFamily="18" charset="-122"/>
               </a:rPr>
@@ -10295,10 +11797,10 @@
                 <a:latin typeface="Adobe 楷体 Std R" panose="02020400000000000000" pitchFamily="18" charset="-122"/>
                 <a:ea typeface="Adobe 楷体 Std R" panose="02020400000000000000" pitchFamily="18" charset="-122"/>
               </a:rPr>
-              <a:t>学习调研</a:t>
-            </a:r>
-            <a:r>
-              <a:rPr lang="en-US" altLang="zh-CN" dirty="0" smtClean="0">
+              <a:t>项目经理</a:t>
+            </a:r>
+            <a:r>
+              <a:rPr lang="en-US" altLang="zh-CN" dirty="0">
                 <a:latin typeface="Adobe 楷体 Std R" panose="02020400000000000000" pitchFamily="18" charset="-122"/>
                 <a:ea typeface="Adobe 楷体 Std R" panose="02020400000000000000" pitchFamily="18" charset="-122"/>
               </a:rPr>
@@ -10310,30 +11812,26 @@
               <a:buNone/>
             </a:pPr>
             <a:r>
-              <a:rPr lang="en-US" altLang="zh-CN" dirty="0" smtClean="0">
+              <a:rPr lang="en-US" altLang="zh-CN" dirty="0">
                 <a:latin typeface="Adobe 楷体 Std R" panose="02020400000000000000" pitchFamily="18" charset="-122"/>
                 <a:ea typeface="Adobe 楷体 Std R" panose="02020400000000000000" pitchFamily="18" charset="-122"/>
               </a:rPr>
               <a:t>	[</a:t>
             </a:r>
             <a:r>
-              <a:rPr lang="zh-CN" altLang="en-US" smtClean="0">
-                <a:latin typeface="Adobe 楷体 Std R" panose="02020400000000000000" pitchFamily="18" charset="-122"/>
-                <a:ea typeface="Adobe 楷体 Std R" panose="02020400000000000000" pitchFamily="18" charset="-122"/>
-              </a:rPr>
-              <a:t>开发环境</a:t>
-            </a:r>
-            <a:r>
-              <a:rPr lang="en-US" altLang="zh-CN" smtClean="0">
+              <a:rPr lang="zh-CN" altLang="en-US" dirty="0">
+                <a:latin typeface="Adobe 楷体 Std R" panose="02020400000000000000" pitchFamily="18" charset="-122"/>
+                <a:ea typeface="Adobe 楷体 Std R" panose="02020400000000000000" pitchFamily="18" charset="-122"/>
+              </a:rPr>
+              <a:t>设计者</a:t>
+            </a:r>
+            <a:r>
+              <a:rPr lang="en-US" altLang="zh-CN" dirty="0">
                 <a:latin typeface="Adobe 楷体 Std R" panose="02020400000000000000" pitchFamily="18" charset="-122"/>
                 <a:ea typeface="Adobe 楷体 Std R" panose="02020400000000000000" pitchFamily="18" charset="-122"/>
               </a:rPr>
               <a:t>]</a:t>
             </a:r>
-            <a:endParaRPr lang="en-US" altLang="zh-CN" dirty="0">
-              <a:latin typeface="Adobe 楷体 Std R" panose="02020400000000000000" pitchFamily="18" charset="-122"/>
-              <a:ea typeface="Adobe 楷体 Std R" panose="02020400000000000000" pitchFamily="18" charset="-122"/>
-            </a:endParaRPr>
           </a:p>
           <a:p>
             <a:pPr marL="0" indent="0">
@@ -10351,33 +11849,48 @@
                 <a:latin typeface="Adobe 楷体 Std R" panose="02020400000000000000" pitchFamily="18" charset="-122"/>
                 <a:ea typeface="Adobe 楷体 Std R" panose="02020400000000000000" pitchFamily="18" charset="-122"/>
               </a:rPr>
-              <a:t>建库</a:t>
-            </a:r>
-            <a:r>
-              <a:rPr lang="en-US" altLang="zh-CN" dirty="0" smtClean="0">
+              <a:t>开发者</a:t>
+            </a:r>
+            <a:r>
+              <a:rPr lang="en-US" altLang="zh-CN" dirty="0">
                 <a:latin typeface="Adobe 楷体 Std R" panose="02020400000000000000" pitchFamily="18" charset="-122"/>
                 <a:ea typeface="Adobe 楷体 Std R" panose="02020400000000000000" pitchFamily="18" charset="-122"/>
               </a:rPr>
               <a:t>]</a:t>
             </a:r>
+          </a:p>
+          <a:p>
+            <a:pPr marL="0" indent="0">
+              <a:buNone/>
+            </a:pPr>
             <a:r>
               <a:rPr lang="en-US" altLang="zh-CN" dirty="0">
                 <a:latin typeface="Adobe 楷体 Std R" panose="02020400000000000000" pitchFamily="18" charset="-122"/>
                 <a:ea typeface="Adobe 楷体 Std R" panose="02020400000000000000" pitchFamily="18" charset="-122"/>
               </a:rPr>
-              <a:t>	</a:t>
-            </a:r>
-            <a:endParaRPr lang="zh-CN" altLang="en-US" dirty="0">
-              <a:latin typeface="Adobe 楷体 Std R" panose="02020400000000000000" pitchFamily="18" charset="-122"/>
-              <a:ea typeface="Adobe 楷体 Std R" panose="02020400000000000000" pitchFamily="18" charset="-122"/>
-            </a:endParaRPr>
+              <a:t>	[</a:t>
+            </a:r>
+            <a:r>
+              <a:rPr lang="zh-CN" altLang="en-US" dirty="0">
+                <a:latin typeface="Adobe 楷体 Std R" panose="02020400000000000000" pitchFamily="18" charset="-122"/>
+                <a:ea typeface="Adobe 楷体 Std R" panose="02020400000000000000" pitchFamily="18" charset="-122"/>
+              </a:rPr>
+              <a:t>测试者</a:t>
+            </a:r>
+            <a:r>
+              <a:rPr lang="en-US" altLang="zh-CN" dirty="0">
+                <a:latin typeface="Adobe 楷体 Std R" panose="02020400000000000000" pitchFamily="18" charset="-122"/>
+                <a:ea typeface="Adobe 楷体 Std R" panose="02020400000000000000" pitchFamily="18" charset="-122"/>
+              </a:rPr>
+              <a:t>]</a:t>
+            </a:r>
           </a:p>
         </p:txBody>
       </p:sp>
     </p:spTree>
     <p:extLst>
       <p:ext uri="{BB962C8B-B14F-4D97-AF65-F5344CB8AC3E}">
-        <p14:creationId xmlns:p14="http://schemas.microsoft.com/office/powerpoint/2010/main" val="560152547"/>
+        <p14:creationId xmlns:p14="http://schemas.microsoft.com/office/powerpoint/2010/main" val="4151067930"/>
       </p:ext>
     </p:extLst>
   </p:cSld>
@@ -10424,7 +11937,7 @@
                 <a:latin typeface="Adobe 黑体 Std R" panose="020B0400000000000000" pitchFamily="34" charset="-122"/>
                 <a:ea typeface="Adobe 黑体 Std R" panose="020B0400000000000000" pitchFamily="34" charset="-122"/>
               </a:rPr>
-              <a:t>订立规范</a:t>
+              <a:t>准备阶段</a:t>
             </a:r>
             <a:endParaRPr lang="zh-CN" altLang="en-US" dirty="0">
               <a:latin typeface="Adobe 黑体 Std R" panose="020B0400000000000000" pitchFamily="34" charset="-122"/>
@@ -10443,12 +11956,7 @@
             <p:ph idx="1"/>
           </p:nvPr>
         </p:nvSpPr>
-        <p:spPr>
-          <a:xfrm>
-            <a:off x="1176338" y="2420888"/>
-            <a:ext cx="6799262" cy="3818532"/>
-          </a:xfrm>
-        </p:spPr>
+        <p:spPr/>
         <p:txBody>
           <a:bodyPr/>
           <a:lstStyle/>
@@ -10457,18 +11965,37 @@
               <a:buNone/>
             </a:pPr>
             <a:r>
+              <a:rPr lang="zh-CN" altLang="en-US" dirty="0">
+                <a:latin typeface="Adobe 楷体 Std R" panose="02020400000000000000" pitchFamily="18" charset="-122"/>
+                <a:ea typeface="Adobe 楷体 Std R" panose="02020400000000000000" pitchFamily="18" charset="-122"/>
+              </a:rPr>
+              <a:t>开启项目</a:t>
+            </a:r>
+          </a:p>
+          <a:p>
+            <a:pPr marL="0" indent="0">
+              <a:buNone/>
+            </a:pPr>
+            <a:r>
               <a:rPr lang="en-US" altLang="zh-CN" dirty="0" smtClean="0">
                 <a:latin typeface="Adobe 楷体 Std R" panose="02020400000000000000" pitchFamily="18" charset="-122"/>
                 <a:ea typeface="Adobe 楷体 Std R" panose="02020400000000000000" pitchFamily="18" charset="-122"/>
               </a:rPr>
-              <a:t> </a:t>
+              <a:t>	[</a:t>
             </a:r>
             <a:r>
               <a:rPr lang="zh-CN" altLang="en-US" dirty="0">
                 <a:latin typeface="Adobe 楷体 Std R" panose="02020400000000000000" pitchFamily="18" charset="-122"/>
                 <a:ea typeface="Adobe 楷体 Std R" panose="02020400000000000000" pitchFamily="18" charset="-122"/>
               </a:rPr>
-              <a:t>各种规范</a:t>
+              <a:t>学习调研</a:t>
+            </a:r>
+            <a:r>
+              <a:rPr lang="en-US" altLang="zh-CN" dirty="0" smtClean="0">
+                <a:latin typeface="Adobe 楷体 Std R" panose="02020400000000000000" pitchFamily="18" charset="-122"/>
+                <a:ea typeface="Adobe 楷体 Std R" panose="02020400000000000000" pitchFamily="18" charset="-122"/>
+              </a:rPr>
+              <a:t>]</a:t>
             </a:r>
           </a:p>
           <a:p>
@@ -10476,98 +12003,62 @@
               <a:buNone/>
             </a:pPr>
             <a:r>
+              <a:rPr lang="en-US" altLang="zh-CN" dirty="0" smtClean="0">
+                <a:latin typeface="Adobe 楷体 Std R" panose="02020400000000000000" pitchFamily="18" charset="-122"/>
+                <a:ea typeface="Adobe 楷体 Std R" panose="02020400000000000000" pitchFamily="18" charset="-122"/>
+              </a:rPr>
+              <a:t>	[</a:t>
+            </a:r>
+            <a:r>
+              <a:rPr lang="zh-CN" altLang="en-US" dirty="0" smtClean="0">
+                <a:latin typeface="Adobe 楷体 Std R" panose="02020400000000000000" pitchFamily="18" charset="-122"/>
+                <a:ea typeface="Adobe 楷体 Std R" panose="02020400000000000000" pitchFamily="18" charset="-122"/>
+              </a:rPr>
+              <a:t>开发环境</a:t>
+            </a:r>
+            <a:r>
+              <a:rPr lang="en-US" altLang="zh-CN" dirty="0" smtClean="0">
+                <a:latin typeface="Adobe 楷体 Std R" panose="02020400000000000000" pitchFamily="18" charset="-122"/>
+                <a:ea typeface="Adobe 楷体 Std R" panose="02020400000000000000" pitchFamily="18" charset="-122"/>
+              </a:rPr>
+              <a:t>]</a:t>
+            </a:r>
+            <a:endParaRPr lang="en-US" altLang="zh-CN" dirty="0">
+              <a:latin typeface="Adobe 楷体 Std R" panose="02020400000000000000" pitchFamily="18" charset="-122"/>
+              <a:ea typeface="Adobe 楷体 Std R" panose="02020400000000000000" pitchFamily="18" charset="-122"/>
+            </a:endParaRPr>
+          </a:p>
+          <a:p>
+            <a:pPr marL="0" indent="0">
+              <a:buNone/>
+            </a:pPr>
+            <a:r>
+              <a:rPr lang="en-US" altLang="zh-CN" dirty="0">
+                <a:latin typeface="Adobe 楷体 Std R" panose="02020400000000000000" pitchFamily="18" charset="-122"/>
+                <a:ea typeface="Adobe 楷体 Std R" panose="02020400000000000000" pitchFamily="18" charset="-122"/>
+              </a:rPr>
+              <a:t>	[</a:t>
+            </a:r>
+            <a:r>
               <a:rPr lang="zh-CN" altLang="en-US" dirty="0">
                 <a:latin typeface="Adobe 楷体 Std R" panose="02020400000000000000" pitchFamily="18" charset="-122"/>
                 <a:ea typeface="Adobe 楷体 Std R" panose="02020400000000000000" pitchFamily="18" charset="-122"/>
               </a:rPr>
+              <a:t>建库</a:t>
+            </a:r>
+            <a:r>
+              <a:rPr lang="en-US" altLang="zh-CN" dirty="0" smtClean="0">
+                <a:latin typeface="Adobe 楷体 Std R" panose="02020400000000000000" pitchFamily="18" charset="-122"/>
+                <a:ea typeface="Adobe 楷体 Std R" panose="02020400000000000000" pitchFamily="18" charset="-122"/>
+              </a:rPr>
+              <a:t>]</a:t>
+            </a:r>
+            <a:r>
+              <a:rPr lang="en-US" altLang="zh-CN" dirty="0">
+                <a:latin typeface="Adobe 楷体 Std R" panose="02020400000000000000" pitchFamily="18" charset="-122"/>
+                <a:ea typeface="Adobe 楷体 Std R" panose="02020400000000000000" pitchFamily="18" charset="-122"/>
+              </a:rPr>
               <a:t>	</a:t>
-            </a:r>
-            <a:r>
-              <a:rPr lang="en-US" altLang="zh-CN" dirty="0" smtClean="0">
-                <a:latin typeface="Adobe 楷体 Std R" panose="02020400000000000000" pitchFamily="18" charset="-122"/>
-                <a:ea typeface="Adobe 楷体 Std R" panose="02020400000000000000" pitchFamily="18" charset="-122"/>
-              </a:rPr>
-              <a:t>[</a:t>
-            </a:r>
-            <a:r>
-              <a:rPr lang="zh-CN" altLang="en-US" dirty="0">
-                <a:latin typeface="Adobe 楷体 Std R" panose="02020400000000000000" pitchFamily="18" charset="-122"/>
-                <a:ea typeface="Adobe 楷体 Std R" panose="02020400000000000000" pitchFamily="18" charset="-122"/>
-              </a:rPr>
-              <a:t>管理规范</a:t>
-            </a:r>
-            <a:r>
-              <a:rPr lang="en-US" altLang="zh-CN" dirty="0">
-                <a:latin typeface="Adobe 楷体 Std R" panose="02020400000000000000" pitchFamily="18" charset="-122"/>
-                <a:ea typeface="Adobe 楷体 Std R" panose="02020400000000000000" pitchFamily="18" charset="-122"/>
-              </a:rPr>
-              <a:t>]</a:t>
-            </a:r>
-          </a:p>
-          <a:p>
-            <a:pPr marL="0" indent="0">
-              <a:buNone/>
-            </a:pPr>
-            <a:r>
-              <a:rPr lang="en-US" altLang="zh-CN" dirty="0">
-                <a:latin typeface="Adobe 楷体 Std R" panose="02020400000000000000" pitchFamily="18" charset="-122"/>
-                <a:ea typeface="Adobe 楷体 Std R" panose="02020400000000000000" pitchFamily="18" charset="-122"/>
-              </a:rPr>
-              <a:t>	</a:t>
-            </a:r>
-            <a:r>
-              <a:rPr lang="en-US" altLang="zh-CN" dirty="0" smtClean="0">
-                <a:latin typeface="Adobe 楷体 Std R" panose="02020400000000000000" pitchFamily="18" charset="-122"/>
-                <a:ea typeface="Adobe 楷体 Std R" panose="02020400000000000000" pitchFamily="18" charset="-122"/>
-              </a:rPr>
-              <a:t>[</a:t>
-            </a:r>
-            <a:r>
-              <a:rPr lang="zh-CN" altLang="en-US" dirty="0">
-                <a:latin typeface="Adobe 楷体 Std R" panose="02020400000000000000" pitchFamily="18" charset="-122"/>
-                <a:ea typeface="Adobe 楷体 Std R" panose="02020400000000000000" pitchFamily="18" charset="-122"/>
-              </a:rPr>
-              <a:t>流程规范</a:t>
-            </a:r>
-            <a:r>
-              <a:rPr lang="en-US" altLang="zh-CN" dirty="0">
-                <a:latin typeface="Adobe 楷体 Std R" panose="02020400000000000000" pitchFamily="18" charset="-122"/>
-                <a:ea typeface="Adobe 楷体 Std R" panose="02020400000000000000" pitchFamily="18" charset="-122"/>
-              </a:rPr>
-              <a:t>]</a:t>
-            </a:r>
-          </a:p>
-          <a:p>
-            <a:pPr marL="0" indent="0">
-              <a:buNone/>
-            </a:pPr>
-            <a:r>
-              <a:rPr lang="en-US" altLang="zh-CN" dirty="0">
-                <a:latin typeface="Adobe 楷体 Std R" panose="02020400000000000000" pitchFamily="18" charset="-122"/>
-                <a:ea typeface="Adobe 楷体 Std R" panose="02020400000000000000" pitchFamily="18" charset="-122"/>
-              </a:rPr>
-              <a:t>	</a:t>
-            </a:r>
-            <a:r>
-              <a:rPr lang="en-US" altLang="zh-CN" dirty="0" smtClean="0">
-                <a:latin typeface="Adobe 楷体 Std R" panose="02020400000000000000" pitchFamily="18" charset="-122"/>
-                <a:ea typeface="Adobe 楷体 Std R" panose="02020400000000000000" pitchFamily="18" charset="-122"/>
-              </a:rPr>
-              <a:t>[</a:t>
-            </a:r>
-            <a:r>
-              <a:rPr lang="zh-CN" altLang="en-US" dirty="0">
-                <a:latin typeface="Adobe 楷体 Std R" panose="02020400000000000000" pitchFamily="18" charset="-122"/>
-                <a:ea typeface="Adobe 楷体 Std R" panose="02020400000000000000" pitchFamily="18" charset="-122"/>
-              </a:rPr>
-              <a:t>开发（代码）规范</a:t>
-            </a:r>
-            <a:r>
-              <a:rPr lang="en-US" altLang="zh-CN" dirty="0">
-                <a:latin typeface="Adobe 楷体 Std R" panose="02020400000000000000" pitchFamily="18" charset="-122"/>
-                <a:ea typeface="Adobe 楷体 Std R" panose="02020400000000000000" pitchFamily="18" charset="-122"/>
-              </a:rPr>
-              <a:t>]</a:t>
             </a:r>
             <a:endParaRPr lang="zh-CN" altLang="en-US" dirty="0">
               <a:latin typeface="Adobe 楷体 Std R" panose="02020400000000000000" pitchFamily="18" charset="-122"/>
@@ -10579,7 +12070,7 @@
     </p:spTree>
     <p:extLst>
       <p:ext uri="{BB962C8B-B14F-4D97-AF65-F5344CB8AC3E}">
-        <p14:creationId xmlns:p14="http://schemas.microsoft.com/office/powerpoint/2010/main" val="1997693177"/>
+        <p14:creationId xmlns:p14="http://schemas.microsoft.com/office/powerpoint/2010/main" val="560152547"/>
       </p:ext>
     </p:extLst>
   </p:cSld>
@@ -10626,7 +12117,7 @@
                 <a:latin typeface="Adobe 黑体 Std R" panose="020B0400000000000000" pitchFamily="34" charset="-122"/>
                 <a:ea typeface="Adobe 黑体 Std R" panose="020B0400000000000000" pitchFamily="34" charset="-122"/>
               </a:rPr>
-              <a:t>开发是一个迭代过程</a:t>
+              <a:t>订立规范</a:t>
             </a:r>
             <a:endParaRPr lang="zh-CN" altLang="en-US" dirty="0">
               <a:latin typeface="Adobe 黑体 Std R" panose="020B0400000000000000" pitchFamily="34" charset="-122"/>
@@ -10645,7 +12136,12 @@
             <p:ph idx="1"/>
           </p:nvPr>
         </p:nvSpPr>
-        <p:spPr/>
+        <p:spPr>
+          <a:xfrm>
+            <a:off x="1176338" y="2420888"/>
+            <a:ext cx="6799262" cy="3818532"/>
+          </a:xfrm>
+        </p:spPr>
         <p:txBody>
           <a:bodyPr/>
           <a:lstStyle/>
@@ -10654,11 +12150,18 @@
               <a:buNone/>
             </a:pPr>
             <a:r>
+              <a:rPr lang="en-US" altLang="zh-CN" dirty="0" smtClean="0">
+                <a:latin typeface="Adobe 楷体 Std R" panose="02020400000000000000" pitchFamily="18" charset="-122"/>
+                <a:ea typeface="Adobe 楷体 Std R" panose="02020400000000000000" pitchFamily="18" charset="-122"/>
+              </a:rPr>
+              <a:t> </a:t>
+            </a:r>
+            <a:r>
               <a:rPr lang="zh-CN" altLang="en-US" dirty="0">
                 <a:latin typeface="Adobe 楷体 Std R" panose="02020400000000000000" pitchFamily="18" charset="-122"/>
                 <a:ea typeface="Adobe 楷体 Std R" panose="02020400000000000000" pitchFamily="18" charset="-122"/>
               </a:rPr>
-              <a:t>迭代流程</a:t>
+              <a:t>各种规范</a:t>
             </a:r>
           </a:p>
           <a:p>
@@ -10673,10 +12176,43 @@
               <a:t>	</a:t>
             </a:r>
             <a:r>
+              <a:rPr lang="en-US" altLang="zh-CN" dirty="0" smtClean="0">
+                <a:latin typeface="Adobe 楷体 Std R" panose="02020400000000000000" pitchFamily="18" charset="-122"/>
+                <a:ea typeface="Adobe 楷体 Std R" panose="02020400000000000000" pitchFamily="18" charset="-122"/>
+              </a:rPr>
+              <a:t>[</a:t>
+            </a:r>
+            <a:r>
+              <a:rPr lang="zh-CN" altLang="en-US" dirty="0">
+                <a:latin typeface="Adobe 楷体 Std R" panose="02020400000000000000" pitchFamily="18" charset="-122"/>
+                <a:ea typeface="Adobe 楷体 Std R" panose="02020400000000000000" pitchFamily="18" charset="-122"/>
+              </a:rPr>
+              <a:t>管理规范</a:t>
+            </a:r>
+            <a:r>
               <a:rPr lang="en-US" altLang="zh-CN" dirty="0">
                 <a:latin typeface="Adobe 楷体 Std R" panose="02020400000000000000" pitchFamily="18" charset="-122"/>
                 <a:ea typeface="Adobe 楷体 Std R" panose="02020400000000000000" pitchFamily="18" charset="-122"/>
               </a:rPr>
+              <a:t>]</a:t>
+            </a:r>
+          </a:p>
+          <a:p>
+            <a:pPr marL="0" indent="0">
+              <a:buNone/>
+            </a:pPr>
+            <a:r>
+              <a:rPr lang="en-US" altLang="zh-CN" dirty="0">
+                <a:latin typeface="Adobe 楷体 Std R" panose="02020400000000000000" pitchFamily="18" charset="-122"/>
+                <a:ea typeface="Adobe 楷体 Std R" panose="02020400000000000000" pitchFamily="18" charset="-122"/>
+              </a:rPr>
+              <a:t>	</a:t>
+            </a:r>
+            <a:r>
+              <a:rPr lang="en-US" altLang="zh-CN" dirty="0" smtClean="0">
+                <a:latin typeface="Adobe 楷体 Std R" panose="02020400000000000000" pitchFamily="18" charset="-122"/>
+                <a:ea typeface="Adobe 楷体 Std R" panose="02020400000000000000" pitchFamily="18" charset="-122"/>
+              </a:rPr>
               <a:t>[</a:t>
             </a:r>
             <a:r>
@@ -10684,7 +12220,7 @@
                 <a:latin typeface="Adobe 楷体 Std R" panose="02020400000000000000" pitchFamily="18" charset="-122"/>
                 <a:ea typeface="Adobe 楷体 Std R" panose="02020400000000000000" pitchFamily="18" charset="-122"/>
               </a:rPr>
-              <a:t>文档</a:t>
+              <a:t>流程规范</a:t>
             </a:r>
             <a:r>
               <a:rPr lang="en-US" altLang="zh-CN" dirty="0">
@@ -10703,66 +12239,21 @@
                 <a:latin typeface="Adobe 楷体 Std R" panose="02020400000000000000" pitchFamily="18" charset="-122"/>
                 <a:ea typeface="Adobe 楷体 Std R" panose="02020400000000000000" pitchFamily="18" charset="-122"/>
               </a:rPr>
-              <a:t>	[</a:t>
+              <a:t>	</a:t>
+            </a:r>
+            <a:r>
+              <a:rPr lang="en-US" altLang="zh-CN" dirty="0" smtClean="0">
+                <a:latin typeface="Adobe 楷体 Std R" panose="02020400000000000000" pitchFamily="18" charset="-122"/>
+                <a:ea typeface="Adobe 楷体 Std R" panose="02020400000000000000" pitchFamily="18" charset="-122"/>
+              </a:rPr>
+              <a:t>[</a:t>
             </a:r>
             <a:r>
               <a:rPr lang="zh-CN" altLang="en-US" dirty="0">
                 <a:latin typeface="Adobe 楷体 Std R" panose="02020400000000000000" pitchFamily="18" charset="-122"/>
                 <a:ea typeface="Adobe 楷体 Std R" panose="02020400000000000000" pitchFamily="18" charset="-122"/>
               </a:rPr>
-              <a:t>软件实现</a:t>
-            </a:r>
-            <a:r>
-              <a:rPr lang="en-US" altLang="zh-CN" dirty="0">
-                <a:latin typeface="Adobe 楷体 Std R" panose="02020400000000000000" pitchFamily="18" charset="-122"/>
-                <a:ea typeface="Adobe 楷体 Std R" panose="02020400000000000000" pitchFamily="18" charset="-122"/>
-              </a:rPr>
-              <a:t>]</a:t>
-            </a:r>
-          </a:p>
-          <a:p>
-            <a:pPr marL="0" indent="0">
-              <a:buNone/>
-            </a:pPr>
-            <a:r>
-              <a:rPr lang="en-US" altLang="zh-CN" dirty="0">
-                <a:latin typeface="Adobe 楷体 Std R" panose="02020400000000000000" pitchFamily="18" charset="-122"/>
-                <a:ea typeface="Adobe 楷体 Std R" panose="02020400000000000000" pitchFamily="18" charset="-122"/>
-              </a:rPr>
-              <a:t>	[</a:t>
-            </a:r>
-            <a:r>
-              <a:rPr lang="zh-CN" altLang="en-US" dirty="0">
-                <a:latin typeface="Adobe 楷体 Std R" panose="02020400000000000000" pitchFamily="18" charset="-122"/>
-                <a:ea typeface="Adobe 楷体 Std R" panose="02020400000000000000" pitchFamily="18" charset="-122"/>
-              </a:rPr>
-              <a:t>测试及测试报告</a:t>
-            </a:r>
-            <a:r>
-              <a:rPr lang="en-US" altLang="zh-CN" dirty="0">
-                <a:latin typeface="Adobe 楷体 Std R" panose="02020400000000000000" pitchFamily="18" charset="-122"/>
-                <a:ea typeface="Adobe 楷体 Std R" panose="02020400000000000000" pitchFamily="18" charset="-122"/>
-              </a:rPr>
-              <a:t>]</a:t>
-            </a:r>
-          </a:p>
-          <a:p>
-            <a:pPr marL="0" indent="0">
-              <a:buNone/>
-            </a:pPr>
-            <a:r>
-              <a:rPr lang="en-US" altLang="zh-CN" dirty="0">
-                <a:latin typeface="Adobe 楷体 Std R" panose="02020400000000000000" pitchFamily="18" charset="-122"/>
-                <a:ea typeface="Adobe 楷体 Std R" panose="02020400000000000000" pitchFamily="18" charset="-122"/>
-              </a:rPr>
-              <a:t>	[</a:t>
-            </a:r>
-            <a:r>
-              <a:rPr lang="zh-CN" altLang="en-US" dirty="0">
-                <a:latin typeface="Adobe 楷体 Std R" panose="02020400000000000000" pitchFamily="18" charset="-122"/>
-                <a:ea typeface="Adobe 楷体 Std R" panose="02020400000000000000" pitchFamily="18" charset="-122"/>
-              </a:rPr>
-              <a:t>产品发布</a:t>
+              <a:t>开发（代码）规范</a:t>
             </a:r>
             <a:r>
               <a:rPr lang="en-US" altLang="zh-CN" dirty="0">
@@ -10781,7 +12272,7 @@
     </p:spTree>
     <p:extLst>
       <p:ext uri="{BB962C8B-B14F-4D97-AF65-F5344CB8AC3E}">
-        <p14:creationId xmlns:p14="http://schemas.microsoft.com/office/powerpoint/2010/main" val="3079921266"/>
+        <p14:creationId xmlns:p14="http://schemas.microsoft.com/office/powerpoint/2010/main" val="1997693177"/>
       </p:ext>
     </p:extLst>
   </p:cSld>
@@ -10828,21 +12319,7 @@
                 <a:latin typeface="Adobe 黑体 Std R" panose="020B0400000000000000" pitchFamily="34" charset="-122"/>
                 <a:ea typeface="Adobe 黑体 Std R" panose="020B0400000000000000" pitchFamily="34" charset="-122"/>
               </a:rPr>
-              <a:t>过程迭代</a:t>
-            </a:r>
-            <a:r>
-              <a:rPr lang="en-US" altLang="zh-CN" dirty="0" smtClean="0">
-                <a:latin typeface="Adobe 黑体 Std R" panose="020B0400000000000000" pitchFamily="34" charset="-122"/>
-                <a:ea typeface="Adobe 黑体 Std R" panose="020B0400000000000000" pitchFamily="34" charset="-122"/>
-              </a:rPr>
-              <a:t>-</a:t>
-            </a:r>
-            <a:r>
-              <a:rPr lang="zh-CN" altLang="en-US" dirty="0" smtClean="0">
-                <a:latin typeface="Adobe 黑体 Std R" panose="020B0400000000000000" pitchFamily="34" charset="-122"/>
-                <a:ea typeface="Adobe 黑体 Std R" panose="020B0400000000000000" pitchFamily="34" charset="-122"/>
-              </a:rPr>
-              <a:t>文档</a:t>
+              <a:t>开发是一个迭代过程</a:t>
             </a:r>
             <a:endParaRPr lang="zh-CN" altLang="en-US" dirty="0">
               <a:latin typeface="Adobe 黑体 Std R" panose="020B0400000000000000" pitchFamily="34" charset="-122"/>
@@ -10861,12 +12338,7 @@
             <p:ph idx="1"/>
           </p:nvPr>
         </p:nvSpPr>
-        <p:spPr>
-          <a:xfrm>
-            <a:off x="1176338" y="2420888"/>
-            <a:ext cx="6799262" cy="3818532"/>
-          </a:xfrm>
-        </p:spPr>
+        <p:spPr/>
         <p:txBody>
           <a:bodyPr/>
           <a:lstStyle/>
@@ -10879,33 +12351,85 @@
                 <a:latin typeface="Adobe 楷体 Std R" panose="02020400000000000000" pitchFamily="18" charset="-122"/>
                 <a:ea typeface="Adobe 楷体 Std R" panose="02020400000000000000" pitchFamily="18" charset="-122"/>
               </a:rPr>
+              <a:t>迭代流程</a:t>
+            </a:r>
+          </a:p>
+          <a:p>
+            <a:pPr marL="0" indent="0">
+              <a:buNone/>
+            </a:pPr>
+            <a:r>
+              <a:rPr lang="zh-CN" altLang="en-US" dirty="0">
+                <a:latin typeface="Adobe 楷体 Std R" panose="02020400000000000000" pitchFamily="18" charset="-122"/>
+                <a:ea typeface="Adobe 楷体 Std R" panose="02020400000000000000" pitchFamily="18" charset="-122"/>
+              </a:rPr>
+              <a:t>	</a:t>
+            </a:r>
+            <a:r>
+              <a:rPr lang="en-US" altLang="zh-CN" dirty="0">
+                <a:latin typeface="Adobe 楷体 Std R" panose="02020400000000000000" pitchFamily="18" charset="-122"/>
+                <a:ea typeface="Adobe 楷体 Std R" panose="02020400000000000000" pitchFamily="18" charset="-122"/>
+              </a:rPr>
+              <a:t>[</a:t>
+            </a:r>
+            <a:r>
+              <a:rPr lang="zh-CN" altLang="en-US" dirty="0">
+                <a:latin typeface="Adobe 楷体 Std R" panose="02020400000000000000" pitchFamily="18" charset="-122"/>
+                <a:ea typeface="Adobe 楷体 Std R" panose="02020400000000000000" pitchFamily="18" charset="-122"/>
+              </a:rPr>
               <a:t>文档</a:t>
             </a:r>
+            <a:r>
+              <a:rPr lang="en-US" altLang="zh-CN" dirty="0">
+                <a:latin typeface="Adobe 楷体 Std R" panose="02020400000000000000" pitchFamily="18" charset="-122"/>
+                <a:ea typeface="Adobe 楷体 Std R" panose="02020400000000000000" pitchFamily="18" charset="-122"/>
+              </a:rPr>
+              <a:t>]</a:t>
+            </a:r>
           </a:p>
           <a:p>
             <a:pPr marL="0" indent="0">
               <a:buNone/>
             </a:pPr>
             <a:r>
+              <a:rPr lang="en-US" altLang="zh-CN" dirty="0">
+                <a:latin typeface="Adobe 楷体 Std R" panose="02020400000000000000" pitchFamily="18" charset="-122"/>
+                <a:ea typeface="Adobe 楷体 Std R" panose="02020400000000000000" pitchFamily="18" charset="-122"/>
+              </a:rPr>
+              <a:t>	[</a:t>
+            </a:r>
+            <a:r>
               <a:rPr lang="zh-CN" altLang="en-US" dirty="0">
                 <a:latin typeface="Adobe 楷体 Std R" panose="02020400000000000000" pitchFamily="18" charset="-122"/>
                 <a:ea typeface="Adobe 楷体 Std R" panose="02020400000000000000" pitchFamily="18" charset="-122"/>
               </a:rPr>
-              <a:t>	</a:t>
+              <a:t>软件实现</a:t>
             </a:r>
             <a:r>
               <a:rPr lang="en-US" altLang="zh-CN" dirty="0">
                 <a:latin typeface="Adobe 楷体 Std R" panose="02020400000000000000" pitchFamily="18" charset="-122"/>
                 <a:ea typeface="Adobe 楷体 Std R" panose="02020400000000000000" pitchFamily="18" charset="-122"/>
               </a:rPr>
-              <a:t>[</a:t>
+              <a:t>]</a:t>
+            </a:r>
+          </a:p>
+          <a:p>
+            <a:pPr marL="0" indent="0">
+              <a:buNone/>
+            </a:pPr>
+            <a:r>
+              <a:rPr lang="en-US" altLang="zh-CN" dirty="0">
+                <a:latin typeface="Adobe 楷体 Std R" panose="02020400000000000000" pitchFamily="18" charset="-122"/>
+                <a:ea typeface="Adobe 楷体 Std R" panose="02020400000000000000" pitchFamily="18" charset="-122"/>
+              </a:rPr>
+              <a:t>	[</a:t>
             </a:r>
             <a:r>
               <a:rPr lang="zh-CN" altLang="en-US" dirty="0">
                 <a:latin typeface="Adobe 楷体 Std R" panose="02020400000000000000" pitchFamily="18" charset="-122"/>
                 <a:ea typeface="Adobe 楷体 Std R" panose="02020400000000000000" pitchFamily="18" charset="-122"/>
               </a:rPr>
-              <a:t>可行性分析</a:t>
+              <a:t>测试及测试报告</a:t>
             </a:r>
             <a:r>
               <a:rPr lang="en-US" altLang="zh-CN" dirty="0">
@@ -10931,108 +12455,16 @@
                 <a:latin typeface="Adobe 楷体 Std R" panose="02020400000000000000" pitchFamily="18" charset="-122"/>
                 <a:ea typeface="Adobe 楷体 Std R" panose="02020400000000000000" pitchFamily="18" charset="-122"/>
               </a:rPr>
-              <a:t>需求分析</a:t>
+              <a:t>产品发布</a:t>
             </a:r>
             <a:r>
               <a:rPr lang="en-US" altLang="zh-CN" dirty="0">
                 <a:latin typeface="Adobe 楷体 Std R" panose="02020400000000000000" pitchFamily="18" charset="-122"/>
                 <a:ea typeface="Adobe 楷体 Std R" panose="02020400000000000000" pitchFamily="18" charset="-122"/>
               </a:rPr>
-              <a:t>]-&gt;[</a:t>
-            </a:r>
-            <a:r>
-              <a:rPr lang="zh-CN" altLang="en-US" dirty="0">
-                <a:latin typeface="Adobe 楷体 Std R" panose="02020400000000000000" pitchFamily="18" charset="-122"/>
-                <a:ea typeface="Adobe 楷体 Std R" panose="02020400000000000000" pitchFamily="18" charset="-122"/>
-              </a:rPr>
-              <a:t>技术选型</a:t>
-            </a:r>
-            <a:r>
-              <a:rPr lang="en-US" altLang="zh-CN" dirty="0">
-                <a:latin typeface="Adobe 楷体 Std R" panose="02020400000000000000" pitchFamily="18" charset="-122"/>
-                <a:ea typeface="Adobe 楷体 Std R" panose="02020400000000000000" pitchFamily="18" charset="-122"/>
-              </a:rPr>
               <a:t>]</a:t>
             </a:r>
-          </a:p>
-          <a:p>
-            <a:pPr marL="0" indent="0">
-              <a:buNone/>
-            </a:pPr>
-            <a:r>
-              <a:rPr lang="en-US" altLang="zh-CN" dirty="0">
-                <a:latin typeface="Adobe 楷体 Std R" panose="02020400000000000000" pitchFamily="18" charset="-122"/>
-                <a:ea typeface="Adobe 楷体 Std R" panose="02020400000000000000" pitchFamily="18" charset="-122"/>
-              </a:rPr>
-              <a:t>	[</a:t>
-            </a:r>
-            <a:r>
-              <a:rPr lang="zh-CN" altLang="en-US" dirty="0">
-                <a:latin typeface="Adobe 楷体 Std R" panose="02020400000000000000" pitchFamily="18" charset="-122"/>
-                <a:ea typeface="Adobe 楷体 Std R" panose="02020400000000000000" pitchFamily="18" charset="-122"/>
-              </a:rPr>
-              <a:t>概要设计</a:t>
-            </a:r>
-            <a:r>
-              <a:rPr lang="en-US" altLang="zh-CN" dirty="0">
-                <a:latin typeface="Adobe 楷体 Std R" panose="02020400000000000000" pitchFamily="18" charset="-122"/>
-                <a:ea typeface="Adobe 楷体 Std R" panose="02020400000000000000" pitchFamily="18" charset="-122"/>
-              </a:rPr>
-              <a:t>]</a:t>
-            </a:r>
-          </a:p>
-          <a:p>
-            <a:pPr marL="0" indent="0">
-              <a:buNone/>
-            </a:pPr>
-            <a:r>
-              <a:rPr lang="en-US" altLang="zh-CN" dirty="0">
-                <a:latin typeface="Adobe 楷体 Std R" panose="02020400000000000000" pitchFamily="18" charset="-122"/>
-                <a:ea typeface="Adobe 楷体 Std R" panose="02020400000000000000" pitchFamily="18" charset="-122"/>
-              </a:rPr>
-              <a:t>	[</a:t>
-            </a:r>
-            <a:r>
-              <a:rPr lang="zh-CN" altLang="en-US" dirty="0">
-                <a:latin typeface="Adobe 楷体 Std R" panose="02020400000000000000" pitchFamily="18" charset="-122"/>
-                <a:ea typeface="Adobe 楷体 Std R" panose="02020400000000000000" pitchFamily="18" charset="-122"/>
-              </a:rPr>
-              <a:t>详细设计</a:t>
-            </a:r>
-            <a:r>
-              <a:rPr lang="en-US" altLang="zh-CN" dirty="0">
-                <a:latin typeface="Adobe 楷体 Std R" panose="02020400000000000000" pitchFamily="18" charset="-122"/>
-                <a:ea typeface="Adobe 楷体 Std R" panose="02020400000000000000" pitchFamily="18" charset="-122"/>
-              </a:rPr>
-              <a:t>]</a:t>
-            </a:r>
-          </a:p>
-          <a:p>
-            <a:pPr marL="0" indent="0">
-              <a:buNone/>
-            </a:pPr>
-            <a:r>
-              <a:rPr lang="en-US" altLang="zh-CN" dirty="0">
-                <a:latin typeface="Adobe 楷体 Std R" panose="02020400000000000000" pitchFamily="18" charset="-122"/>
-                <a:ea typeface="Adobe 楷体 Std R" panose="02020400000000000000" pitchFamily="18" charset="-122"/>
-              </a:rPr>
-              <a:t>	[</a:t>
-            </a:r>
-            <a:r>
-              <a:rPr lang="zh-CN" altLang="en-US" dirty="0">
-                <a:latin typeface="Adobe 楷体 Std R" panose="02020400000000000000" pitchFamily="18" charset="-122"/>
-                <a:ea typeface="Adobe 楷体 Std R" panose="02020400000000000000" pitchFamily="18" charset="-122"/>
-              </a:rPr>
-              <a:t>测试文档</a:t>
-            </a:r>
-            <a:r>
-              <a:rPr lang="en-US" altLang="zh-CN" dirty="0" smtClean="0">
-                <a:latin typeface="Adobe 楷体 Std R" panose="02020400000000000000" pitchFamily="18" charset="-122"/>
-                <a:ea typeface="Adobe 楷体 Std R" panose="02020400000000000000" pitchFamily="18" charset="-122"/>
-              </a:rPr>
-              <a:t>]</a:t>
-            </a:r>
-            <a:endParaRPr lang="en-US" altLang="zh-CN" dirty="0">
+            <a:endParaRPr lang="zh-CN" altLang="en-US" dirty="0">
               <a:latin typeface="Adobe 楷体 Std R" panose="02020400000000000000" pitchFamily="18" charset="-122"/>
               <a:ea typeface="Adobe 楷体 Std R" panose="02020400000000000000" pitchFamily="18" charset="-122"/>
             </a:endParaRPr>
@@ -11042,7 +12474,7 @@
     </p:spTree>
     <p:extLst>
       <p:ext uri="{BB962C8B-B14F-4D97-AF65-F5344CB8AC3E}">
-        <p14:creationId xmlns:p14="http://schemas.microsoft.com/office/powerpoint/2010/main" val="326808122"/>
+        <p14:creationId xmlns:p14="http://schemas.microsoft.com/office/powerpoint/2010/main" val="3079921266"/>
       </p:ext>
     </p:extLst>
   </p:cSld>
